--- a/dev-only/images.pptx
+++ b/dev-only/images.pptx
@@ -260,7 +260,7 @@
           <a:p>
             <a:fld id="{492CC70E-2C75-4B61-895B-57B864DBB07C}" type="datetimeFigureOut">
               <a:rPr lang="en-US" smtClean="0"/>
-              <a:t>1/14/2021</a:t>
+              <a:t>1/16/2021</a:t>
             </a:fld>
             <a:endParaRPr lang="en-US"/>
           </a:p>
@@ -458,7 +458,7 @@
           <a:p>
             <a:fld id="{492CC70E-2C75-4B61-895B-57B864DBB07C}" type="datetimeFigureOut">
               <a:rPr lang="en-US" smtClean="0"/>
-              <a:t>1/14/2021</a:t>
+              <a:t>1/16/2021</a:t>
             </a:fld>
             <a:endParaRPr lang="en-US"/>
           </a:p>
@@ -666,7 +666,7 @@
           <a:p>
             <a:fld id="{492CC70E-2C75-4B61-895B-57B864DBB07C}" type="datetimeFigureOut">
               <a:rPr lang="en-US" smtClean="0"/>
-              <a:t>1/14/2021</a:t>
+              <a:t>1/16/2021</a:t>
             </a:fld>
             <a:endParaRPr lang="en-US"/>
           </a:p>
@@ -864,7 +864,7 @@
           <a:p>
             <a:fld id="{492CC70E-2C75-4B61-895B-57B864DBB07C}" type="datetimeFigureOut">
               <a:rPr lang="en-US" smtClean="0"/>
-              <a:t>1/14/2021</a:t>
+              <a:t>1/16/2021</a:t>
             </a:fld>
             <a:endParaRPr lang="en-US"/>
           </a:p>
@@ -1139,7 +1139,7 @@
           <a:p>
             <a:fld id="{492CC70E-2C75-4B61-895B-57B864DBB07C}" type="datetimeFigureOut">
               <a:rPr lang="en-US" smtClean="0"/>
-              <a:t>1/14/2021</a:t>
+              <a:t>1/16/2021</a:t>
             </a:fld>
             <a:endParaRPr lang="en-US"/>
           </a:p>
@@ -1404,7 +1404,7 @@
           <a:p>
             <a:fld id="{492CC70E-2C75-4B61-895B-57B864DBB07C}" type="datetimeFigureOut">
               <a:rPr lang="en-US" smtClean="0"/>
-              <a:t>1/14/2021</a:t>
+              <a:t>1/16/2021</a:t>
             </a:fld>
             <a:endParaRPr lang="en-US"/>
           </a:p>
@@ -1816,7 +1816,7 @@
           <a:p>
             <a:fld id="{492CC70E-2C75-4B61-895B-57B864DBB07C}" type="datetimeFigureOut">
               <a:rPr lang="en-US" smtClean="0"/>
-              <a:t>1/14/2021</a:t>
+              <a:t>1/16/2021</a:t>
             </a:fld>
             <a:endParaRPr lang="en-US"/>
           </a:p>
@@ -1957,7 +1957,7 @@
           <a:p>
             <a:fld id="{492CC70E-2C75-4B61-895B-57B864DBB07C}" type="datetimeFigureOut">
               <a:rPr lang="en-US" smtClean="0"/>
-              <a:t>1/14/2021</a:t>
+              <a:t>1/16/2021</a:t>
             </a:fld>
             <a:endParaRPr lang="en-US"/>
           </a:p>
@@ -2070,7 +2070,7 @@
           <a:p>
             <a:fld id="{492CC70E-2C75-4B61-895B-57B864DBB07C}" type="datetimeFigureOut">
               <a:rPr lang="en-US" smtClean="0"/>
-              <a:t>1/14/2021</a:t>
+              <a:t>1/16/2021</a:t>
             </a:fld>
             <a:endParaRPr lang="en-US"/>
           </a:p>
@@ -2381,7 +2381,7 @@
           <a:p>
             <a:fld id="{492CC70E-2C75-4B61-895B-57B864DBB07C}" type="datetimeFigureOut">
               <a:rPr lang="en-US" smtClean="0"/>
-              <a:t>1/14/2021</a:t>
+              <a:t>1/16/2021</a:t>
             </a:fld>
             <a:endParaRPr lang="en-US"/>
           </a:p>
@@ -2669,7 +2669,7 @@
           <a:p>
             <a:fld id="{492CC70E-2C75-4B61-895B-57B864DBB07C}" type="datetimeFigureOut">
               <a:rPr lang="en-US" smtClean="0"/>
-              <a:t>1/14/2021</a:t>
+              <a:t>1/16/2021</a:t>
             </a:fld>
             <a:endParaRPr lang="en-US"/>
           </a:p>
@@ -2910,7 +2910,7 @@
           <a:p>
             <a:fld id="{492CC70E-2C75-4B61-895B-57B864DBB07C}" type="datetimeFigureOut">
               <a:rPr lang="en-US" smtClean="0"/>
-              <a:t>1/14/2021</a:t>
+              <a:t>1/16/2021</a:t>
             </a:fld>
             <a:endParaRPr lang="en-US"/>
           </a:p>
@@ -4077,7 +4077,7 @@
         </p:blipFill>
         <p:spPr>
           <a:xfrm>
-            <a:off x="6715946" y="1810553"/>
+            <a:off x="8950445" y="4276916"/>
             <a:ext cx="914400" cy="914400"/>
           </a:xfrm>
           <a:prstGeom prst="rect">
@@ -4116,7 +4116,7 @@
         </p:blipFill>
         <p:spPr>
           <a:xfrm>
-            <a:off x="7630346" y="1810553"/>
+            <a:off x="9864845" y="4276916"/>
             <a:ext cx="914400" cy="914400"/>
           </a:xfrm>
           <a:prstGeom prst="rect">
@@ -4155,7 +4155,7 @@
         </p:blipFill>
         <p:spPr>
           <a:xfrm>
-            <a:off x="8544746" y="1810553"/>
+            <a:off x="10779245" y="4276916"/>
             <a:ext cx="914400" cy="914400"/>
           </a:xfrm>
           <a:prstGeom prst="rect">
@@ -4194,7 +4194,7 @@
         </p:blipFill>
         <p:spPr>
           <a:xfrm>
-            <a:off x="6715946" y="2724953"/>
+            <a:off x="8950445" y="5191316"/>
             <a:ext cx="914400" cy="914400"/>
           </a:xfrm>
           <a:prstGeom prst="rect">
@@ -4233,7 +4233,7 @@
         </p:blipFill>
         <p:spPr>
           <a:xfrm>
-            <a:off x="7630346" y="2724953"/>
+            <a:off x="9864845" y="5191316"/>
             <a:ext cx="914400" cy="914400"/>
           </a:xfrm>
           <a:prstGeom prst="rect">
@@ -4272,7 +4272,7 @@
         </p:blipFill>
         <p:spPr>
           <a:xfrm>
-            <a:off x="8544746" y="2724953"/>
+            <a:off x="10779245" y="5191316"/>
             <a:ext cx="914400" cy="914400"/>
           </a:xfrm>
           <a:prstGeom prst="rect">
@@ -4363,7 +4363,7 @@
         </p:nvSpPr>
         <p:spPr>
           <a:xfrm>
-            <a:off x="5476055" y="2724953"/>
+            <a:off x="7710554" y="5191316"/>
             <a:ext cx="914400" cy="914400"/>
           </a:xfrm>
           <a:prstGeom prst="circularArrow">
@@ -4486,6 +4486,552 @@
           </a:fontRef>
         </p:style>
       </p:sp>
+      <p:pic>
+        <p:nvPicPr>
+          <p:cNvPr id="7" name="Graphic 6" descr="Folder outline">
+            <a:extLst>
+              <a:ext uri="{FF2B5EF4-FFF2-40B4-BE49-F238E27FC236}">
+                <a16:creationId xmlns:a16="http://schemas.microsoft.com/office/drawing/2014/main" id="{A4B6FC58-55A0-432D-96BF-8C148E2CEDB3}"/>
+              </a:ext>
+            </a:extLst>
+          </p:cNvPr>
+          <p:cNvPicPr>
+            <a:picLocks noChangeAspect="1"/>
+          </p:cNvPicPr>
+          <p:nvPr/>
+        </p:nvPicPr>
+        <p:blipFill>
+          <a:blip r:embed="rId22">
+            <a:extLst>
+              <a:ext uri="{28A0092B-C50C-407E-A947-70E740481C1C}">
+                <a14:useLocalDpi xmlns:a14="http://schemas.microsoft.com/office/drawing/2010/main" val="0"/>
+              </a:ext>
+              <a:ext uri="{96DAC541-7B7A-43D3-8B79-37D633B846F1}">
+                <asvg:svgBlip xmlns:asvg="http://schemas.microsoft.com/office/drawing/2016/SVG/main" r:embed="rId23"/>
+              </a:ext>
+            </a:extLst>
+          </a:blip>
+          <a:stretch>
+            <a:fillRect/>
+          </a:stretch>
+        </p:blipFill>
+        <p:spPr>
+          <a:xfrm>
+            <a:off x="6310247" y="4590248"/>
+            <a:ext cx="914400" cy="914400"/>
+          </a:xfrm>
+          <a:prstGeom prst="rect">
+            <a:avLst/>
+          </a:prstGeom>
+        </p:spPr>
+      </p:pic>
+      <p:pic>
+        <p:nvPicPr>
+          <p:cNvPr id="18" name="Graphic 17" descr="Folder outline">
+            <a:extLst>
+              <a:ext uri="{FF2B5EF4-FFF2-40B4-BE49-F238E27FC236}">
+                <a16:creationId xmlns:a16="http://schemas.microsoft.com/office/drawing/2014/main" id="{FC0767D3-1D17-40B0-9D4A-16406EFD9D13}"/>
+              </a:ext>
+            </a:extLst>
+          </p:cNvPr>
+          <p:cNvPicPr>
+            <a:picLocks noChangeAspect="1"/>
+          </p:cNvPicPr>
+          <p:nvPr/>
+        </p:nvPicPr>
+        <p:blipFill>
+          <a:blip r:embed="rId24">
+            <a:extLst>
+              <a:ext uri="{28A0092B-C50C-407E-A947-70E740481C1C}">
+                <a14:useLocalDpi xmlns:a14="http://schemas.microsoft.com/office/drawing/2010/main" val="0"/>
+              </a:ext>
+              <a:ext uri="{96DAC541-7B7A-43D3-8B79-37D633B846F1}">
+                <asvg:svgBlip xmlns:asvg="http://schemas.microsoft.com/office/drawing/2016/SVG/main" r:embed="rId25"/>
+              </a:ext>
+            </a:extLst>
+          </a:blip>
+          <a:stretch>
+            <a:fillRect/>
+          </a:stretch>
+        </p:blipFill>
+        <p:spPr>
+          <a:xfrm>
+            <a:off x="6310247" y="5504648"/>
+            <a:ext cx="914400" cy="914400"/>
+          </a:xfrm>
+          <a:prstGeom prst="rect">
+            <a:avLst/>
+          </a:prstGeom>
+        </p:spPr>
+      </p:pic>
+      <p:pic>
+        <p:nvPicPr>
+          <p:cNvPr id="19" name="Graphic 18" descr="Folder Search with solid fill">
+            <a:extLst>
+              <a:ext uri="{FF2B5EF4-FFF2-40B4-BE49-F238E27FC236}">
+                <a16:creationId xmlns:a16="http://schemas.microsoft.com/office/drawing/2014/main" id="{FEF25571-B617-4795-BAD5-77169D8F2D53}"/>
+              </a:ext>
+            </a:extLst>
+          </p:cNvPr>
+          <p:cNvPicPr>
+            <a:picLocks noChangeAspect="1"/>
+          </p:cNvPicPr>
+          <p:nvPr/>
+        </p:nvPicPr>
+        <p:blipFill>
+          <a:blip r:embed="rId26">
+            <a:extLst>
+              <a:ext uri="{28A0092B-C50C-407E-A947-70E740481C1C}">
+                <a14:useLocalDpi xmlns:a14="http://schemas.microsoft.com/office/drawing/2010/main" val="0"/>
+              </a:ext>
+              <a:ext uri="{96DAC541-7B7A-43D3-8B79-37D633B846F1}">
+                <asvg:svgBlip xmlns:asvg="http://schemas.microsoft.com/office/drawing/2016/SVG/main" r:embed="rId27"/>
+              </a:ext>
+            </a:extLst>
+          </a:blip>
+          <a:stretch>
+            <a:fillRect/>
+          </a:stretch>
+        </p:blipFill>
+        <p:spPr>
+          <a:xfrm>
+            <a:off x="3567047" y="4590248"/>
+            <a:ext cx="914400" cy="914400"/>
+          </a:xfrm>
+          <a:prstGeom prst="rect">
+            <a:avLst/>
+          </a:prstGeom>
+        </p:spPr>
+      </p:pic>
+      <p:pic>
+        <p:nvPicPr>
+          <p:cNvPr id="20" name="Graphic 19" descr="Folder Search with solid fill">
+            <a:extLst>
+              <a:ext uri="{FF2B5EF4-FFF2-40B4-BE49-F238E27FC236}">
+                <a16:creationId xmlns:a16="http://schemas.microsoft.com/office/drawing/2014/main" id="{515C2AE2-837C-491D-B43A-022A5425B54F}"/>
+              </a:ext>
+            </a:extLst>
+          </p:cNvPr>
+          <p:cNvPicPr>
+            <a:picLocks noChangeAspect="1"/>
+          </p:cNvPicPr>
+          <p:nvPr/>
+        </p:nvPicPr>
+        <p:blipFill>
+          <a:blip r:embed="rId28">
+            <a:extLst>
+              <a:ext uri="{28A0092B-C50C-407E-A947-70E740481C1C}">
+                <a14:useLocalDpi xmlns:a14="http://schemas.microsoft.com/office/drawing/2010/main" val="0"/>
+              </a:ext>
+              <a:ext uri="{96DAC541-7B7A-43D3-8B79-37D633B846F1}">
+                <asvg:svgBlip xmlns:asvg="http://schemas.microsoft.com/office/drawing/2016/SVG/main" r:embed="rId29"/>
+              </a:ext>
+            </a:extLst>
+          </a:blip>
+          <a:stretch>
+            <a:fillRect/>
+          </a:stretch>
+        </p:blipFill>
+        <p:spPr>
+          <a:xfrm>
+            <a:off x="3567047" y="5504648"/>
+            <a:ext cx="914400" cy="914400"/>
+          </a:xfrm>
+          <a:prstGeom prst="rect">
+            <a:avLst/>
+          </a:prstGeom>
+        </p:spPr>
+      </p:pic>
+      <p:pic>
+        <p:nvPicPr>
+          <p:cNvPr id="22" name="Graphic 21" descr="Open folder with solid fill">
+            <a:extLst>
+              <a:ext uri="{FF2B5EF4-FFF2-40B4-BE49-F238E27FC236}">
+                <a16:creationId xmlns:a16="http://schemas.microsoft.com/office/drawing/2014/main" id="{4F27FB9C-7E99-442C-B923-1597BFCD2583}"/>
+              </a:ext>
+            </a:extLst>
+          </p:cNvPr>
+          <p:cNvPicPr>
+            <a:picLocks noChangeAspect="1"/>
+          </p:cNvPicPr>
+          <p:nvPr/>
+        </p:nvPicPr>
+        <p:blipFill>
+          <a:blip r:embed="rId30">
+            <a:extLst>
+              <a:ext uri="{28A0092B-C50C-407E-A947-70E740481C1C}">
+                <a14:useLocalDpi xmlns:a14="http://schemas.microsoft.com/office/drawing/2010/main" val="0"/>
+              </a:ext>
+              <a:ext uri="{96DAC541-7B7A-43D3-8B79-37D633B846F1}">
+                <asvg:svgBlip xmlns:asvg="http://schemas.microsoft.com/office/drawing/2016/SVG/main" r:embed="rId31"/>
+              </a:ext>
+            </a:extLst>
+          </a:blip>
+          <a:stretch>
+            <a:fillRect/>
+          </a:stretch>
+        </p:blipFill>
+        <p:spPr>
+          <a:xfrm>
+            <a:off x="5395847" y="4590248"/>
+            <a:ext cx="914400" cy="914400"/>
+          </a:xfrm>
+          <a:prstGeom prst="rect">
+            <a:avLst/>
+          </a:prstGeom>
+        </p:spPr>
+      </p:pic>
+      <p:pic>
+        <p:nvPicPr>
+          <p:cNvPr id="24" name="Graphic 23" descr="Folder with solid fill">
+            <a:extLst>
+              <a:ext uri="{FF2B5EF4-FFF2-40B4-BE49-F238E27FC236}">
+                <a16:creationId xmlns:a16="http://schemas.microsoft.com/office/drawing/2014/main" id="{E6E08898-6990-48D4-A609-FBBC5B49314A}"/>
+              </a:ext>
+            </a:extLst>
+          </p:cNvPr>
+          <p:cNvPicPr>
+            <a:picLocks noChangeAspect="1"/>
+          </p:cNvPicPr>
+          <p:nvPr/>
+        </p:nvPicPr>
+        <p:blipFill>
+          <a:blip r:embed="rId32">
+            <a:extLst>
+              <a:ext uri="{28A0092B-C50C-407E-A947-70E740481C1C}">
+                <a14:useLocalDpi xmlns:a14="http://schemas.microsoft.com/office/drawing/2010/main" val="0"/>
+              </a:ext>
+              <a:ext uri="{96DAC541-7B7A-43D3-8B79-37D633B846F1}">
+                <asvg:svgBlip xmlns:asvg="http://schemas.microsoft.com/office/drawing/2016/SVG/main" r:embed="rId33"/>
+              </a:ext>
+            </a:extLst>
+          </a:blip>
+          <a:stretch>
+            <a:fillRect/>
+          </a:stretch>
+        </p:blipFill>
+        <p:spPr>
+          <a:xfrm>
+            <a:off x="4481447" y="4590248"/>
+            <a:ext cx="914400" cy="914400"/>
+          </a:xfrm>
+          <a:prstGeom prst="rect">
+            <a:avLst/>
+          </a:prstGeom>
+        </p:spPr>
+      </p:pic>
+      <p:pic>
+        <p:nvPicPr>
+          <p:cNvPr id="25" name="Graphic 24" descr="Folder with solid fill">
+            <a:extLst>
+              <a:ext uri="{FF2B5EF4-FFF2-40B4-BE49-F238E27FC236}">
+                <a16:creationId xmlns:a16="http://schemas.microsoft.com/office/drawing/2014/main" id="{DB21B0C3-7AB6-458D-9F69-3B5B352445D8}"/>
+              </a:ext>
+            </a:extLst>
+          </p:cNvPr>
+          <p:cNvPicPr>
+            <a:picLocks noChangeAspect="1"/>
+          </p:cNvPicPr>
+          <p:nvPr/>
+        </p:nvPicPr>
+        <p:blipFill>
+          <a:blip r:embed="rId34">
+            <a:extLst>
+              <a:ext uri="{28A0092B-C50C-407E-A947-70E740481C1C}">
+                <a14:useLocalDpi xmlns:a14="http://schemas.microsoft.com/office/drawing/2010/main" val="0"/>
+              </a:ext>
+              <a:ext uri="{96DAC541-7B7A-43D3-8B79-37D633B846F1}">
+                <asvg:svgBlip xmlns:asvg="http://schemas.microsoft.com/office/drawing/2016/SVG/main" r:embed="rId35"/>
+              </a:ext>
+            </a:extLst>
+          </a:blip>
+          <a:stretch>
+            <a:fillRect/>
+          </a:stretch>
+        </p:blipFill>
+        <p:spPr>
+          <a:xfrm>
+            <a:off x="4481447" y="5504648"/>
+            <a:ext cx="914400" cy="914400"/>
+          </a:xfrm>
+          <a:prstGeom prst="rect">
+            <a:avLst/>
+          </a:prstGeom>
+        </p:spPr>
+      </p:pic>
+      <p:pic>
+        <p:nvPicPr>
+          <p:cNvPr id="26" name="Graphic 25" descr="Open folder with solid fill">
+            <a:extLst>
+              <a:ext uri="{FF2B5EF4-FFF2-40B4-BE49-F238E27FC236}">
+                <a16:creationId xmlns:a16="http://schemas.microsoft.com/office/drawing/2014/main" id="{F71A171E-EBA0-4FCF-A6FC-42ECDF32212C}"/>
+              </a:ext>
+            </a:extLst>
+          </p:cNvPr>
+          <p:cNvPicPr>
+            <a:picLocks noChangeAspect="1"/>
+          </p:cNvPicPr>
+          <p:nvPr/>
+        </p:nvPicPr>
+        <p:blipFill>
+          <a:blip r:embed="rId36">
+            <a:extLst>
+              <a:ext uri="{28A0092B-C50C-407E-A947-70E740481C1C}">
+                <a14:useLocalDpi xmlns:a14="http://schemas.microsoft.com/office/drawing/2010/main" val="0"/>
+              </a:ext>
+              <a:ext uri="{96DAC541-7B7A-43D3-8B79-37D633B846F1}">
+                <asvg:svgBlip xmlns:asvg="http://schemas.microsoft.com/office/drawing/2016/SVG/main" r:embed="rId37"/>
+              </a:ext>
+            </a:extLst>
+          </a:blip>
+          <a:stretch>
+            <a:fillRect/>
+          </a:stretch>
+        </p:blipFill>
+        <p:spPr>
+          <a:xfrm>
+            <a:off x="5395847" y="5504648"/>
+            <a:ext cx="914400" cy="914400"/>
+          </a:xfrm>
+          <a:prstGeom prst="rect">
+            <a:avLst/>
+          </a:prstGeom>
+        </p:spPr>
+      </p:pic>
+      <p:pic>
+        <p:nvPicPr>
+          <p:cNvPr id="27" name="Graphic 26" descr="Open folder with solid fill">
+            <a:extLst>
+              <a:ext uri="{FF2B5EF4-FFF2-40B4-BE49-F238E27FC236}">
+                <a16:creationId xmlns:a16="http://schemas.microsoft.com/office/drawing/2014/main" id="{8EE55547-70E8-42E8-8EBC-79E625B53DB7}"/>
+              </a:ext>
+            </a:extLst>
+          </p:cNvPr>
+          <p:cNvPicPr>
+            <a:picLocks noChangeAspect="1"/>
+          </p:cNvPicPr>
+          <p:nvPr/>
+        </p:nvPicPr>
+        <p:blipFill>
+          <a:blip r:embed="rId30">
+            <a:extLst>
+              <a:ext uri="{28A0092B-C50C-407E-A947-70E740481C1C}">
+                <a14:useLocalDpi xmlns:a14="http://schemas.microsoft.com/office/drawing/2010/main" val="0"/>
+              </a:ext>
+              <a:ext uri="{96DAC541-7B7A-43D3-8B79-37D633B846F1}">
+                <asvg:svgBlip xmlns:asvg="http://schemas.microsoft.com/office/drawing/2016/SVG/main" r:embed="rId31"/>
+              </a:ext>
+            </a:extLst>
+          </a:blip>
+          <a:stretch>
+            <a:fillRect/>
+          </a:stretch>
+        </p:blipFill>
+        <p:spPr>
+          <a:xfrm>
+            <a:off x="4298567" y="896153"/>
+            <a:ext cx="914400" cy="914400"/>
+          </a:xfrm>
+          <a:prstGeom prst="rect">
+            <a:avLst/>
+          </a:prstGeom>
+        </p:spPr>
+      </p:pic>
+      <p:pic>
+        <p:nvPicPr>
+          <p:cNvPr id="28" name="Graphic 27" descr="Open folder with solid fill">
+            <a:extLst>
+              <a:ext uri="{FF2B5EF4-FFF2-40B4-BE49-F238E27FC236}">
+                <a16:creationId xmlns:a16="http://schemas.microsoft.com/office/drawing/2014/main" id="{5605A968-EB67-4157-AFA7-6CB3D5B33BF3}"/>
+              </a:ext>
+            </a:extLst>
+          </p:cNvPr>
+          <p:cNvPicPr>
+            <a:picLocks noChangeAspect="1"/>
+          </p:cNvPicPr>
+          <p:nvPr/>
+        </p:nvPicPr>
+        <p:blipFill>
+          <a:blip r:embed="rId36">
+            <a:extLst>
+              <a:ext uri="{28A0092B-C50C-407E-A947-70E740481C1C}">
+                <a14:useLocalDpi xmlns:a14="http://schemas.microsoft.com/office/drawing/2010/main" val="0"/>
+              </a:ext>
+              <a:ext uri="{96DAC541-7B7A-43D3-8B79-37D633B846F1}">
+                <asvg:svgBlip xmlns:asvg="http://schemas.microsoft.com/office/drawing/2016/SVG/main" r:embed="rId37"/>
+              </a:ext>
+            </a:extLst>
+          </a:blip>
+          <a:stretch>
+            <a:fillRect/>
+          </a:stretch>
+        </p:blipFill>
+        <p:spPr>
+          <a:xfrm>
+            <a:off x="4298567" y="1810553"/>
+            <a:ext cx="914400" cy="914400"/>
+          </a:xfrm>
+          <a:prstGeom prst="rect">
+            <a:avLst/>
+          </a:prstGeom>
+        </p:spPr>
+      </p:pic>
+      <p:pic>
+        <p:nvPicPr>
+          <p:cNvPr id="30" name="Graphic 29" descr="Label with solid fill">
+            <a:extLst>
+              <a:ext uri="{FF2B5EF4-FFF2-40B4-BE49-F238E27FC236}">
+                <a16:creationId xmlns:a16="http://schemas.microsoft.com/office/drawing/2014/main" id="{E8286781-1660-4B98-BBF0-7516BD8FD732}"/>
+              </a:ext>
+            </a:extLst>
+          </p:cNvPr>
+          <p:cNvPicPr>
+            <a:picLocks noChangeAspect="1"/>
+          </p:cNvPicPr>
+          <p:nvPr/>
+        </p:nvPicPr>
+        <p:blipFill>
+          <a:blip r:embed="rId38">
+            <a:extLst>
+              <a:ext uri="{28A0092B-C50C-407E-A947-70E740481C1C}">
+                <a14:useLocalDpi xmlns:a14="http://schemas.microsoft.com/office/drawing/2010/main" val="0"/>
+              </a:ext>
+              <a:ext uri="{96DAC541-7B7A-43D3-8B79-37D633B846F1}">
+                <asvg:svgBlip xmlns:asvg="http://schemas.microsoft.com/office/drawing/2016/SVG/main" r:embed="rId39"/>
+              </a:ext>
+            </a:extLst>
+          </a:blip>
+          <a:stretch>
+            <a:fillRect/>
+          </a:stretch>
+        </p:blipFill>
+        <p:spPr>
+          <a:xfrm>
+            <a:off x="5212967" y="896153"/>
+            <a:ext cx="914400" cy="914400"/>
+          </a:xfrm>
+          <a:prstGeom prst="rect">
+            <a:avLst/>
+          </a:prstGeom>
+        </p:spPr>
+      </p:pic>
+      <p:pic>
+        <p:nvPicPr>
+          <p:cNvPr id="32" name="Graphic 31" descr="Open envelope with solid fill">
+            <a:extLst>
+              <a:ext uri="{FF2B5EF4-FFF2-40B4-BE49-F238E27FC236}">
+                <a16:creationId xmlns:a16="http://schemas.microsoft.com/office/drawing/2014/main" id="{2566D6CF-E382-4E9D-BDC0-B0B6EC91D97B}"/>
+              </a:ext>
+            </a:extLst>
+          </p:cNvPr>
+          <p:cNvPicPr>
+            <a:picLocks noChangeAspect="1"/>
+          </p:cNvPicPr>
+          <p:nvPr/>
+        </p:nvPicPr>
+        <p:blipFill>
+          <a:blip r:embed="rId40">
+            <a:extLst>
+              <a:ext uri="{28A0092B-C50C-407E-A947-70E740481C1C}">
+                <a14:useLocalDpi xmlns:a14="http://schemas.microsoft.com/office/drawing/2010/main" val="0"/>
+              </a:ext>
+              <a:ext uri="{96DAC541-7B7A-43D3-8B79-37D633B846F1}">
+                <asvg:svgBlip xmlns:asvg="http://schemas.microsoft.com/office/drawing/2016/SVG/main" r:embed="rId41"/>
+              </a:ext>
+            </a:extLst>
+          </a:blip>
+          <a:stretch>
+            <a:fillRect/>
+          </a:stretch>
+        </p:blipFill>
+        <p:spPr>
+          <a:xfrm>
+            <a:off x="9753693" y="3122674"/>
+            <a:ext cx="914400" cy="914400"/>
+          </a:xfrm>
+          <a:prstGeom prst="rect">
+            <a:avLst/>
+          </a:prstGeom>
+        </p:spPr>
+      </p:pic>
+      <p:pic>
+        <p:nvPicPr>
+          <p:cNvPr id="34" name="Graphic 33" descr="Open envelope outline">
+            <a:extLst>
+              <a:ext uri="{FF2B5EF4-FFF2-40B4-BE49-F238E27FC236}">
+                <a16:creationId xmlns:a16="http://schemas.microsoft.com/office/drawing/2014/main" id="{D5A8AF21-658F-48D0-9CC8-96F80286C9CF}"/>
+              </a:ext>
+            </a:extLst>
+          </p:cNvPr>
+          <p:cNvPicPr>
+            <a:picLocks noChangeAspect="1"/>
+          </p:cNvPicPr>
+          <p:nvPr/>
+        </p:nvPicPr>
+        <p:blipFill>
+          <a:blip r:embed="rId42">
+            <a:extLst>
+              <a:ext uri="{28A0092B-C50C-407E-A947-70E740481C1C}">
+                <a14:useLocalDpi xmlns:a14="http://schemas.microsoft.com/office/drawing/2010/main" val="0"/>
+              </a:ext>
+              <a:ext uri="{96DAC541-7B7A-43D3-8B79-37D633B846F1}">
+                <asvg:svgBlip xmlns:asvg="http://schemas.microsoft.com/office/drawing/2016/SVG/main" r:embed="rId43"/>
+              </a:ext>
+            </a:extLst>
+          </a:blip>
+          <a:stretch>
+            <a:fillRect/>
+          </a:stretch>
+        </p:blipFill>
+        <p:spPr>
+          <a:xfrm>
+            <a:off x="10179433" y="2267753"/>
+            <a:ext cx="914400" cy="914400"/>
+          </a:xfrm>
+          <a:prstGeom prst="rect">
+            <a:avLst/>
+          </a:prstGeom>
+        </p:spPr>
+      </p:pic>
+      <p:pic>
+        <p:nvPicPr>
+          <p:cNvPr id="35" name="Graphic 34" descr="Label with solid fill">
+            <a:extLst>
+              <a:ext uri="{FF2B5EF4-FFF2-40B4-BE49-F238E27FC236}">
+                <a16:creationId xmlns:a16="http://schemas.microsoft.com/office/drawing/2014/main" id="{F810C763-D558-4520-84A1-0598AC9FC713}"/>
+              </a:ext>
+            </a:extLst>
+          </p:cNvPr>
+          <p:cNvPicPr>
+            <a:picLocks noChangeAspect="1"/>
+          </p:cNvPicPr>
+          <p:nvPr/>
+        </p:nvPicPr>
+        <p:blipFill>
+          <a:blip r:embed="rId44">
+            <a:extLst>
+              <a:ext uri="{28A0092B-C50C-407E-A947-70E740481C1C}">
+                <a14:useLocalDpi xmlns:a14="http://schemas.microsoft.com/office/drawing/2010/main" val="0"/>
+              </a:ext>
+              <a:ext uri="{96DAC541-7B7A-43D3-8B79-37D633B846F1}">
+                <asvg:svgBlip xmlns:asvg="http://schemas.microsoft.com/office/drawing/2016/SVG/main" r:embed="rId45"/>
+              </a:ext>
+            </a:extLst>
+          </a:blip>
+          <a:stretch>
+            <a:fillRect/>
+          </a:stretch>
+        </p:blipFill>
+        <p:spPr>
+          <a:xfrm>
+            <a:off x="5212967" y="1810552"/>
+            <a:ext cx="914400" cy="914400"/>
+          </a:xfrm>
+          <a:prstGeom prst="rect">
+            <a:avLst/>
+          </a:prstGeom>
+        </p:spPr>
+      </p:pic>
     </p:spTree>
     <p:extLst>
       <p:ext uri="{BB962C8B-B14F-4D97-AF65-F5344CB8AC3E}">

--- a/dev-only/images.pptx
+++ b/dev-only/images.pptx
@@ -260,7 +260,7 @@
           <a:p>
             <a:fld id="{492CC70E-2C75-4B61-895B-57B864DBB07C}" type="datetimeFigureOut">
               <a:rPr lang="en-US" smtClean="0"/>
-              <a:t>1/16/2021</a:t>
+              <a:t>1/19/2021</a:t>
             </a:fld>
             <a:endParaRPr lang="en-US"/>
           </a:p>
@@ -458,7 +458,7 @@
           <a:p>
             <a:fld id="{492CC70E-2C75-4B61-895B-57B864DBB07C}" type="datetimeFigureOut">
               <a:rPr lang="en-US" smtClean="0"/>
-              <a:t>1/16/2021</a:t>
+              <a:t>1/19/2021</a:t>
             </a:fld>
             <a:endParaRPr lang="en-US"/>
           </a:p>
@@ -666,7 +666,7 @@
           <a:p>
             <a:fld id="{492CC70E-2C75-4B61-895B-57B864DBB07C}" type="datetimeFigureOut">
               <a:rPr lang="en-US" smtClean="0"/>
-              <a:t>1/16/2021</a:t>
+              <a:t>1/19/2021</a:t>
             </a:fld>
             <a:endParaRPr lang="en-US"/>
           </a:p>
@@ -864,7 +864,7 @@
           <a:p>
             <a:fld id="{492CC70E-2C75-4B61-895B-57B864DBB07C}" type="datetimeFigureOut">
               <a:rPr lang="en-US" smtClean="0"/>
-              <a:t>1/16/2021</a:t>
+              <a:t>1/19/2021</a:t>
             </a:fld>
             <a:endParaRPr lang="en-US"/>
           </a:p>
@@ -1139,7 +1139,7 @@
           <a:p>
             <a:fld id="{492CC70E-2C75-4B61-895B-57B864DBB07C}" type="datetimeFigureOut">
               <a:rPr lang="en-US" smtClean="0"/>
-              <a:t>1/16/2021</a:t>
+              <a:t>1/19/2021</a:t>
             </a:fld>
             <a:endParaRPr lang="en-US"/>
           </a:p>
@@ -1404,7 +1404,7 @@
           <a:p>
             <a:fld id="{492CC70E-2C75-4B61-895B-57B864DBB07C}" type="datetimeFigureOut">
               <a:rPr lang="en-US" smtClean="0"/>
-              <a:t>1/16/2021</a:t>
+              <a:t>1/19/2021</a:t>
             </a:fld>
             <a:endParaRPr lang="en-US"/>
           </a:p>
@@ -1816,7 +1816,7 @@
           <a:p>
             <a:fld id="{492CC70E-2C75-4B61-895B-57B864DBB07C}" type="datetimeFigureOut">
               <a:rPr lang="en-US" smtClean="0"/>
-              <a:t>1/16/2021</a:t>
+              <a:t>1/19/2021</a:t>
             </a:fld>
             <a:endParaRPr lang="en-US"/>
           </a:p>
@@ -1957,7 +1957,7 @@
           <a:p>
             <a:fld id="{492CC70E-2C75-4B61-895B-57B864DBB07C}" type="datetimeFigureOut">
               <a:rPr lang="en-US" smtClean="0"/>
-              <a:t>1/16/2021</a:t>
+              <a:t>1/19/2021</a:t>
             </a:fld>
             <a:endParaRPr lang="en-US"/>
           </a:p>
@@ -2070,7 +2070,7 @@
           <a:p>
             <a:fld id="{492CC70E-2C75-4B61-895B-57B864DBB07C}" type="datetimeFigureOut">
               <a:rPr lang="en-US" smtClean="0"/>
-              <a:t>1/16/2021</a:t>
+              <a:t>1/19/2021</a:t>
             </a:fld>
             <a:endParaRPr lang="en-US"/>
           </a:p>
@@ -2381,7 +2381,7 @@
           <a:p>
             <a:fld id="{492CC70E-2C75-4B61-895B-57B864DBB07C}" type="datetimeFigureOut">
               <a:rPr lang="en-US" smtClean="0"/>
-              <a:t>1/16/2021</a:t>
+              <a:t>1/19/2021</a:t>
             </a:fld>
             <a:endParaRPr lang="en-US"/>
           </a:p>
@@ -2669,7 +2669,7 @@
           <a:p>
             <a:fld id="{492CC70E-2C75-4B61-895B-57B864DBB07C}" type="datetimeFigureOut">
               <a:rPr lang="en-US" smtClean="0"/>
-              <a:t>1/16/2021</a:t>
+              <a:t>1/19/2021</a:t>
             </a:fld>
             <a:endParaRPr lang="en-US"/>
           </a:p>
@@ -2910,7 +2910,7 @@
           <a:p>
             <a:fld id="{492CC70E-2C75-4B61-895B-57B864DBB07C}" type="datetimeFigureOut">
               <a:rPr lang="en-US" smtClean="0"/>
-              <a:t>1/16/2021</a:t>
+              <a:t>1/19/2021</a:t>
             </a:fld>
             <a:endParaRPr lang="en-US"/>
           </a:p>
@@ -5032,6 +5032,84 @@
           </a:prstGeom>
         </p:spPr>
       </p:pic>
+      <p:pic>
+        <p:nvPicPr>
+          <p:cNvPr id="14" name="Graphic 13" descr="Signature with solid fill">
+            <a:extLst>
+              <a:ext uri="{FF2B5EF4-FFF2-40B4-BE49-F238E27FC236}">
+                <a16:creationId xmlns:a16="http://schemas.microsoft.com/office/drawing/2014/main" id="{92D32D7D-2A7E-49AB-BFDD-E87DAFB965CE}"/>
+              </a:ext>
+            </a:extLst>
+          </p:cNvPr>
+          <p:cNvPicPr>
+            <a:picLocks noChangeAspect="1"/>
+          </p:cNvPicPr>
+          <p:nvPr/>
+        </p:nvPicPr>
+        <p:blipFill>
+          <a:blip r:embed="rId46">
+            <a:extLst>
+              <a:ext uri="{28A0092B-C50C-407E-A947-70E740481C1C}">
+                <a14:useLocalDpi xmlns:a14="http://schemas.microsoft.com/office/drawing/2010/main" val="0"/>
+              </a:ext>
+              <a:ext uri="{96DAC541-7B7A-43D3-8B79-37D633B846F1}">
+                <asvg:svgBlip xmlns:asvg="http://schemas.microsoft.com/office/drawing/2016/SVG/main" r:embed="rId47"/>
+              </a:ext>
+            </a:extLst>
+          </a:blip>
+          <a:stretch>
+            <a:fillRect/>
+          </a:stretch>
+        </p:blipFill>
+        <p:spPr>
+          <a:xfrm>
+            <a:off x="6127367" y="1810550"/>
+            <a:ext cx="914400" cy="914400"/>
+          </a:xfrm>
+          <a:prstGeom prst="rect">
+            <a:avLst/>
+          </a:prstGeom>
+        </p:spPr>
+      </p:pic>
+      <p:pic>
+        <p:nvPicPr>
+          <p:cNvPr id="23" name="Graphic 22" descr="Calligraphy Pen with solid fill">
+            <a:extLst>
+              <a:ext uri="{FF2B5EF4-FFF2-40B4-BE49-F238E27FC236}">
+                <a16:creationId xmlns:a16="http://schemas.microsoft.com/office/drawing/2014/main" id="{9B022B28-B75E-420A-ADE6-7CAE9B205625}"/>
+              </a:ext>
+            </a:extLst>
+          </p:cNvPr>
+          <p:cNvPicPr>
+            <a:picLocks noChangeAspect="1"/>
+          </p:cNvPicPr>
+          <p:nvPr/>
+        </p:nvPicPr>
+        <p:blipFill>
+          <a:blip r:embed="rId48">
+            <a:extLst>
+              <a:ext uri="{28A0092B-C50C-407E-A947-70E740481C1C}">
+                <a14:useLocalDpi xmlns:a14="http://schemas.microsoft.com/office/drawing/2010/main" val="0"/>
+              </a:ext>
+              <a:ext uri="{96DAC541-7B7A-43D3-8B79-37D633B846F1}">
+                <asvg:svgBlip xmlns:asvg="http://schemas.microsoft.com/office/drawing/2016/SVG/main" r:embed="rId49"/>
+              </a:ext>
+            </a:extLst>
+          </a:blip>
+          <a:stretch>
+            <a:fillRect/>
+          </a:stretch>
+        </p:blipFill>
+        <p:spPr>
+          <a:xfrm>
+            <a:off x="6127367" y="896150"/>
+            <a:ext cx="914400" cy="914400"/>
+          </a:xfrm>
+          <a:prstGeom prst="rect">
+            <a:avLst/>
+          </a:prstGeom>
+        </p:spPr>
+      </p:pic>
     </p:spTree>
     <p:extLst>
       <p:ext uri="{BB962C8B-B14F-4D97-AF65-F5344CB8AC3E}">

--- a/dev-only/images.pptx
+++ b/dev-only/images.pptx
@@ -7,6 +7,7 @@
   <p:sldIdLst>
     <p:sldId id="256" r:id="rId2"/>
     <p:sldId id="257" r:id="rId3"/>
+    <p:sldId id="258" r:id="rId4"/>
   </p:sldIdLst>
   <p:sldSz cx="12192000" cy="6858000"/>
   <p:notesSz cx="6858000" cy="9144000"/>
@@ -260,7 +261,7 @@
           <a:p>
             <a:fld id="{492CC70E-2C75-4B61-895B-57B864DBB07C}" type="datetimeFigureOut">
               <a:rPr lang="en-US" smtClean="0"/>
-              <a:t>1/19/2021</a:t>
+              <a:t>1/21/2021</a:t>
             </a:fld>
             <a:endParaRPr lang="en-US"/>
           </a:p>
@@ -458,7 +459,7 @@
           <a:p>
             <a:fld id="{492CC70E-2C75-4B61-895B-57B864DBB07C}" type="datetimeFigureOut">
               <a:rPr lang="en-US" smtClean="0"/>
-              <a:t>1/19/2021</a:t>
+              <a:t>1/21/2021</a:t>
             </a:fld>
             <a:endParaRPr lang="en-US"/>
           </a:p>
@@ -666,7 +667,7 @@
           <a:p>
             <a:fld id="{492CC70E-2C75-4B61-895B-57B864DBB07C}" type="datetimeFigureOut">
               <a:rPr lang="en-US" smtClean="0"/>
-              <a:t>1/19/2021</a:t>
+              <a:t>1/21/2021</a:t>
             </a:fld>
             <a:endParaRPr lang="en-US"/>
           </a:p>
@@ -864,7 +865,7 @@
           <a:p>
             <a:fld id="{492CC70E-2C75-4B61-895B-57B864DBB07C}" type="datetimeFigureOut">
               <a:rPr lang="en-US" smtClean="0"/>
-              <a:t>1/19/2021</a:t>
+              <a:t>1/21/2021</a:t>
             </a:fld>
             <a:endParaRPr lang="en-US"/>
           </a:p>
@@ -1139,7 +1140,7 @@
           <a:p>
             <a:fld id="{492CC70E-2C75-4B61-895B-57B864DBB07C}" type="datetimeFigureOut">
               <a:rPr lang="en-US" smtClean="0"/>
-              <a:t>1/19/2021</a:t>
+              <a:t>1/21/2021</a:t>
             </a:fld>
             <a:endParaRPr lang="en-US"/>
           </a:p>
@@ -1404,7 +1405,7 @@
           <a:p>
             <a:fld id="{492CC70E-2C75-4B61-895B-57B864DBB07C}" type="datetimeFigureOut">
               <a:rPr lang="en-US" smtClean="0"/>
-              <a:t>1/19/2021</a:t>
+              <a:t>1/21/2021</a:t>
             </a:fld>
             <a:endParaRPr lang="en-US"/>
           </a:p>
@@ -1816,7 +1817,7 @@
           <a:p>
             <a:fld id="{492CC70E-2C75-4B61-895B-57B864DBB07C}" type="datetimeFigureOut">
               <a:rPr lang="en-US" smtClean="0"/>
-              <a:t>1/19/2021</a:t>
+              <a:t>1/21/2021</a:t>
             </a:fld>
             <a:endParaRPr lang="en-US"/>
           </a:p>
@@ -1957,7 +1958,7 @@
           <a:p>
             <a:fld id="{492CC70E-2C75-4B61-895B-57B864DBB07C}" type="datetimeFigureOut">
               <a:rPr lang="en-US" smtClean="0"/>
-              <a:t>1/19/2021</a:t>
+              <a:t>1/21/2021</a:t>
             </a:fld>
             <a:endParaRPr lang="en-US"/>
           </a:p>
@@ -2070,7 +2071,7 @@
           <a:p>
             <a:fld id="{492CC70E-2C75-4B61-895B-57B864DBB07C}" type="datetimeFigureOut">
               <a:rPr lang="en-US" smtClean="0"/>
-              <a:t>1/19/2021</a:t>
+              <a:t>1/21/2021</a:t>
             </a:fld>
             <a:endParaRPr lang="en-US"/>
           </a:p>
@@ -2381,7 +2382,7 @@
           <a:p>
             <a:fld id="{492CC70E-2C75-4B61-895B-57B864DBB07C}" type="datetimeFigureOut">
               <a:rPr lang="en-US" smtClean="0"/>
-              <a:t>1/19/2021</a:t>
+              <a:t>1/21/2021</a:t>
             </a:fld>
             <a:endParaRPr lang="en-US"/>
           </a:p>
@@ -2669,7 +2670,7 @@
           <a:p>
             <a:fld id="{492CC70E-2C75-4B61-895B-57B864DBB07C}" type="datetimeFigureOut">
               <a:rPr lang="en-US" smtClean="0"/>
-              <a:t>1/19/2021</a:t>
+              <a:t>1/21/2021</a:t>
             </a:fld>
             <a:endParaRPr lang="en-US"/>
           </a:p>
@@ -2910,7 +2911,7 @@
           <a:p>
             <a:fld id="{492CC70E-2C75-4B61-895B-57B864DBB07C}" type="datetimeFigureOut">
               <a:rPr lang="en-US" smtClean="0"/>
-              <a:t>1/19/2021</a:t>
+              <a:t>1/21/2021</a:t>
             </a:fld>
             <a:endParaRPr lang="en-US"/>
           </a:p>
@@ -5123,6 +5124,823 @@
 </p:sld>
 </file>
 
+<file path=ppt/slides/slide3.xml><?xml version="1.0" encoding="utf-8"?>
+<p:sld xmlns:a="http://schemas.openxmlformats.org/drawingml/2006/main" xmlns:r="http://schemas.openxmlformats.org/officeDocument/2006/relationships" xmlns:p="http://schemas.openxmlformats.org/presentationml/2006/main">
+  <p:cSld>
+    <p:spTree>
+      <p:nvGrpSpPr>
+        <p:cNvPr id="1" name=""/>
+        <p:cNvGrpSpPr/>
+        <p:nvPr/>
+      </p:nvGrpSpPr>
+      <p:grpSpPr>
+        <a:xfrm>
+          <a:off x="0" y="0"/>
+          <a:ext cx="0" cy="0"/>
+          <a:chOff x="0" y="0"/>
+          <a:chExt cx="0" cy="0"/>
+        </a:xfrm>
+      </p:grpSpPr>
+      <p:pic>
+        <p:nvPicPr>
+          <p:cNvPr id="2" name="Picture 1" descr="Graphical user interface, text, application, chat or text message&#10;&#10;Description automatically generated">
+            <a:extLst>
+              <a:ext uri="{FF2B5EF4-FFF2-40B4-BE49-F238E27FC236}">
+                <a16:creationId xmlns:a16="http://schemas.microsoft.com/office/drawing/2014/main" id="{C3C7A62C-A0BB-405A-912A-EB5FE71D231B}"/>
+              </a:ext>
+            </a:extLst>
+          </p:cNvPr>
+          <p:cNvPicPr>
+            <a:picLocks noChangeAspect="1"/>
+          </p:cNvPicPr>
+          <p:nvPr/>
+        </p:nvPicPr>
+        <p:blipFill>
+          <a:blip r:embed="rId2">
+            <a:extLst>
+              <a:ext uri="{28A0092B-C50C-407E-A947-70E740481C1C}">
+                <a14:useLocalDpi xmlns:a14="http://schemas.microsoft.com/office/drawing/2010/main" val="0"/>
+              </a:ext>
+            </a:extLst>
+          </a:blip>
+          <a:stretch>
+            <a:fillRect/>
+          </a:stretch>
+        </p:blipFill>
+        <p:spPr>
+          <a:xfrm>
+            <a:off x="236227" y="232224"/>
+            <a:ext cx="2260850" cy="2582890"/>
+          </a:xfrm>
+          <a:prstGeom prst="rect">
+            <a:avLst/>
+          </a:prstGeom>
+        </p:spPr>
+      </p:pic>
+      <p:pic>
+        <p:nvPicPr>
+          <p:cNvPr id="3" name="Picture 2">
+            <a:extLst>
+              <a:ext uri="{FF2B5EF4-FFF2-40B4-BE49-F238E27FC236}">
+                <a16:creationId xmlns:a16="http://schemas.microsoft.com/office/drawing/2014/main" id="{542D9BD3-FAB9-4E60-A31C-D75704E8D7EA}"/>
+              </a:ext>
+            </a:extLst>
+          </p:cNvPr>
+          <p:cNvPicPr>
+            <a:picLocks noChangeAspect="1"/>
+          </p:cNvPicPr>
+          <p:nvPr/>
+        </p:nvPicPr>
+        <p:blipFill>
+          <a:blip r:embed="rId3"/>
+          <a:stretch>
+            <a:fillRect/>
+          </a:stretch>
+        </p:blipFill>
+        <p:spPr>
+          <a:xfrm>
+            <a:off x="56456" y="3005369"/>
+            <a:ext cx="3348829" cy="1954131"/>
+          </a:xfrm>
+          <a:prstGeom prst="rect">
+            <a:avLst/>
+          </a:prstGeom>
+        </p:spPr>
+      </p:pic>
+      <p:sp>
+        <p:nvSpPr>
+          <p:cNvPr id="4" name="Rectangle 3">
+            <a:extLst>
+              <a:ext uri="{FF2B5EF4-FFF2-40B4-BE49-F238E27FC236}">
+                <a16:creationId xmlns:a16="http://schemas.microsoft.com/office/drawing/2014/main" id="{CA7FC83D-10A1-49E2-9877-8BFF2368D1B0}"/>
+              </a:ext>
+            </a:extLst>
+          </p:cNvPr>
+          <p:cNvSpPr/>
+          <p:nvPr/>
+        </p:nvSpPr>
+        <p:spPr>
+          <a:xfrm>
+            <a:off x="417275" y="2092355"/>
+            <a:ext cx="1916200" cy="203561"/>
+          </a:xfrm>
+          <a:prstGeom prst="rect">
+            <a:avLst/>
+          </a:prstGeom>
+          <a:noFill/>
+          <a:ln>
+            <a:solidFill>
+              <a:srgbClr val="FF0000"/>
+            </a:solidFill>
+          </a:ln>
+        </p:spPr>
+        <p:style>
+          <a:lnRef idx="2">
+            <a:schemeClr val="accent1">
+              <a:shade val="50000"/>
+            </a:schemeClr>
+          </a:lnRef>
+          <a:fillRef idx="1">
+            <a:schemeClr val="accent1"/>
+          </a:fillRef>
+          <a:effectRef idx="0">
+            <a:schemeClr val="accent1"/>
+          </a:effectRef>
+          <a:fontRef idx="minor">
+            <a:schemeClr val="lt1"/>
+          </a:fontRef>
+        </p:style>
+        <p:txBody>
+          <a:bodyPr rtlCol="0" anchor="ctr"/>
+          <a:lstStyle/>
+          <a:p>
+            <a:pPr algn="ctr"/>
+            <a:endParaRPr lang="en-US"/>
+          </a:p>
+        </p:txBody>
+      </p:sp>
+      <p:pic>
+        <p:nvPicPr>
+          <p:cNvPr id="5" name="Picture 4" descr="A picture containing text&#10;&#10;Description automatically generated">
+            <a:extLst>
+              <a:ext uri="{FF2B5EF4-FFF2-40B4-BE49-F238E27FC236}">
+                <a16:creationId xmlns:a16="http://schemas.microsoft.com/office/drawing/2014/main" id="{983CCE04-9976-4DDB-A247-9F378DE78F91}"/>
+              </a:ext>
+            </a:extLst>
+          </p:cNvPr>
+          <p:cNvPicPr>
+            <a:picLocks noChangeAspect="1"/>
+          </p:cNvPicPr>
+          <p:nvPr/>
+        </p:nvPicPr>
+        <p:blipFill>
+          <a:blip r:embed="rId4">
+            <a:extLst>
+              <a:ext uri="{28A0092B-C50C-407E-A947-70E740481C1C}">
+                <a14:useLocalDpi xmlns:a14="http://schemas.microsoft.com/office/drawing/2010/main" val="0"/>
+              </a:ext>
+            </a:extLst>
+          </a:blip>
+          <a:stretch>
+            <a:fillRect/>
+          </a:stretch>
+        </p:blipFill>
+        <p:spPr>
+          <a:xfrm>
+            <a:off x="3859904" y="740051"/>
+            <a:ext cx="1488682" cy="4037800"/>
+          </a:xfrm>
+          <a:prstGeom prst="rect">
+            <a:avLst/>
+          </a:prstGeom>
+        </p:spPr>
+      </p:pic>
+      <p:pic>
+        <p:nvPicPr>
+          <p:cNvPr id="6" name="Picture 5" descr="A plate of food&#10;&#10;Description automatically generated with low confidence">
+            <a:extLst>
+              <a:ext uri="{FF2B5EF4-FFF2-40B4-BE49-F238E27FC236}">
+                <a16:creationId xmlns:a16="http://schemas.microsoft.com/office/drawing/2014/main" id="{539F8535-547E-45E6-9A1F-CE6ADF891B5D}"/>
+              </a:ext>
+            </a:extLst>
+          </p:cNvPr>
+          <p:cNvPicPr>
+            <a:picLocks noChangeAspect="1"/>
+          </p:cNvPicPr>
+          <p:nvPr/>
+        </p:nvPicPr>
+        <p:blipFill>
+          <a:blip r:embed="rId5">
+            <a:extLst>
+              <a:ext uri="{28A0092B-C50C-407E-A947-70E740481C1C}">
+                <a14:useLocalDpi xmlns:a14="http://schemas.microsoft.com/office/drawing/2010/main" val="0"/>
+              </a:ext>
+            </a:extLst>
+          </a:blip>
+          <a:stretch>
+            <a:fillRect/>
+          </a:stretch>
+        </p:blipFill>
+        <p:spPr>
+          <a:xfrm>
+            <a:off x="5390826" y="3781337"/>
+            <a:ext cx="3216279" cy="600197"/>
+          </a:xfrm>
+          <a:prstGeom prst="rect">
+            <a:avLst/>
+          </a:prstGeom>
+        </p:spPr>
+      </p:pic>
+      <p:sp>
+        <p:nvSpPr>
+          <p:cNvPr id="7" name="Arrow: Right 6">
+            <a:extLst>
+              <a:ext uri="{FF2B5EF4-FFF2-40B4-BE49-F238E27FC236}">
+                <a16:creationId xmlns:a16="http://schemas.microsoft.com/office/drawing/2014/main" id="{33C75E48-FE64-41C2-A32A-ECA936BDE0D1}"/>
+              </a:ext>
+            </a:extLst>
+          </p:cNvPr>
+          <p:cNvSpPr/>
+          <p:nvPr/>
+        </p:nvSpPr>
+        <p:spPr>
+          <a:xfrm rot="5400000">
+            <a:off x="1489504" y="2583810"/>
+            <a:ext cx="354392" cy="704675"/>
+          </a:xfrm>
+          <a:prstGeom prst="rightArrow">
+            <a:avLst/>
+          </a:prstGeom>
+        </p:spPr>
+        <p:style>
+          <a:lnRef idx="2">
+            <a:schemeClr val="accent1">
+              <a:shade val="50000"/>
+            </a:schemeClr>
+          </a:lnRef>
+          <a:fillRef idx="1">
+            <a:schemeClr val="accent1"/>
+          </a:fillRef>
+          <a:effectRef idx="0">
+            <a:schemeClr val="accent1"/>
+          </a:effectRef>
+          <a:fontRef idx="minor">
+            <a:schemeClr val="lt1"/>
+          </a:fontRef>
+        </p:style>
+        <p:txBody>
+          <a:bodyPr rtlCol="0" anchor="ctr"/>
+          <a:lstStyle/>
+          <a:p>
+            <a:pPr algn="ctr"/>
+            <a:endParaRPr lang="en-US"/>
+          </a:p>
+        </p:txBody>
+      </p:sp>
+      <p:sp>
+        <p:nvSpPr>
+          <p:cNvPr id="8" name="Arrow: Right 7">
+            <a:extLst>
+              <a:ext uri="{FF2B5EF4-FFF2-40B4-BE49-F238E27FC236}">
+                <a16:creationId xmlns:a16="http://schemas.microsoft.com/office/drawing/2014/main" id="{0CD5FCC0-CF31-4151-8C7E-512298F02D64}"/>
+              </a:ext>
+            </a:extLst>
+          </p:cNvPr>
+          <p:cNvSpPr/>
+          <p:nvPr/>
+        </p:nvSpPr>
+        <p:spPr>
+          <a:xfrm>
+            <a:off x="3399957" y="3076662"/>
+            <a:ext cx="354392" cy="704675"/>
+          </a:xfrm>
+          <a:prstGeom prst="rightArrow">
+            <a:avLst/>
+          </a:prstGeom>
+        </p:spPr>
+        <p:style>
+          <a:lnRef idx="2">
+            <a:schemeClr val="accent1">
+              <a:shade val="50000"/>
+            </a:schemeClr>
+          </a:lnRef>
+          <a:fillRef idx="1">
+            <a:schemeClr val="accent1"/>
+          </a:fillRef>
+          <a:effectRef idx="0">
+            <a:schemeClr val="accent1"/>
+          </a:effectRef>
+          <a:fontRef idx="minor">
+            <a:schemeClr val="lt1"/>
+          </a:fontRef>
+        </p:style>
+        <p:txBody>
+          <a:bodyPr rtlCol="0" anchor="ctr"/>
+          <a:lstStyle/>
+          <a:p>
+            <a:pPr algn="ctr"/>
+            <a:endParaRPr lang="en-US"/>
+          </a:p>
+        </p:txBody>
+      </p:sp>
+      <p:sp>
+        <p:nvSpPr>
+          <p:cNvPr id="9" name="Arrow: Right 8">
+            <a:extLst>
+              <a:ext uri="{FF2B5EF4-FFF2-40B4-BE49-F238E27FC236}">
+                <a16:creationId xmlns:a16="http://schemas.microsoft.com/office/drawing/2014/main" id="{48D59E5D-E1D2-42B2-8BE8-56050DD522B1}"/>
+              </a:ext>
+            </a:extLst>
+          </p:cNvPr>
+          <p:cNvSpPr/>
+          <p:nvPr/>
+        </p:nvSpPr>
+        <p:spPr>
+          <a:xfrm>
+            <a:off x="5542549" y="971944"/>
+            <a:ext cx="354392" cy="704675"/>
+          </a:xfrm>
+          <a:prstGeom prst="rightArrow">
+            <a:avLst/>
+          </a:prstGeom>
+        </p:spPr>
+        <p:style>
+          <a:lnRef idx="2">
+            <a:schemeClr val="accent1">
+              <a:shade val="50000"/>
+            </a:schemeClr>
+          </a:lnRef>
+          <a:fillRef idx="1">
+            <a:schemeClr val="accent1"/>
+          </a:fillRef>
+          <a:effectRef idx="0">
+            <a:schemeClr val="accent1"/>
+          </a:effectRef>
+          <a:fontRef idx="minor">
+            <a:schemeClr val="lt1"/>
+          </a:fontRef>
+        </p:style>
+        <p:txBody>
+          <a:bodyPr rtlCol="0" anchor="ctr"/>
+          <a:lstStyle/>
+          <a:p>
+            <a:pPr algn="ctr"/>
+            <a:endParaRPr lang="en-US"/>
+          </a:p>
+        </p:txBody>
+      </p:sp>
+      <p:pic>
+        <p:nvPicPr>
+          <p:cNvPr id="10" name="Picture 9" descr="Graphical user interface, text, application, chat or text message&#10;&#10;Description automatically generated">
+            <a:extLst>
+              <a:ext uri="{FF2B5EF4-FFF2-40B4-BE49-F238E27FC236}">
+                <a16:creationId xmlns:a16="http://schemas.microsoft.com/office/drawing/2014/main" id="{76CFD8C3-0E1F-4252-8979-D5D245AFD646}"/>
+              </a:ext>
+            </a:extLst>
+          </p:cNvPr>
+          <p:cNvPicPr>
+            <a:picLocks noChangeAspect="1"/>
+          </p:cNvPicPr>
+          <p:nvPr/>
+        </p:nvPicPr>
+        <p:blipFill>
+          <a:blip r:embed="rId2">
+            <a:extLst>
+              <a:ext uri="{28A0092B-C50C-407E-A947-70E740481C1C}">
+                <a14:useLocalDpi xmlns:a14="http://schemas.microsoft.com/office/drawing/2010/main" val="0"/>
+              </a:ext>
+            </a:extLst>
+          </a:blip>
+          <a:stretch>
+            <a:fillRect/>
+          </a:stretch>
+        </p:blipFill>
+        <p:spPr>
+          <a:xfrm>
+            <a:off x="5967425" y="530454"/>
+            <a:ext cx="2260850" cy="2582890"/>
+          </a:xfrm>
+          <a:prstGeom prst="rect">
+            <a:avLst/>
+          </a:prstGeom>
+        </p:spPr>
+      </p:pic>
+      <p:sp>
+        <p:nvSpPr>
+          <p:cNvPr id="11" name="Arrow: Right 10">
+            <a:extLst>
+              <a:ext uri="{FF2B5EF4-FFF2-40B4-BE49-F238E27FC236}">
+                <a16:creationId xmlns:a16="http://schemas.microsoft.com/office/drawing/2014/main" id="{CD0F667A-88FE-4E0B-8189-82E6BAA55421}"/>
+              </a:ext>
+            </a:extLst>
+          </p:cNvPr>
+          <p:cNvSpPr/>
+          <p:nvPr/>
+        </p:nvSpPr>
+        <p:spPr>
+          <a:xfrm rot="5400000">
+            <a:off x="6703176" y="3076662"/>
+            <a:ext cx="354392" cy="704675"/>
+          </a:xfrm>
+          <a:prstGeom prst="rightArrow">
+            <a:avLst/>
+          </a:prstGeom>
+        </p:spPr>
+        <p:style>
+          <a:lnRef idx="2">
+            <a:schemeClr val="accent1">
+              <a:shade val="50000"/>
+            </a:schemeClr>
+          </a:lnRef>
+          <a:fillRef idx="1">
+            <a:schemeClr val="accent1"/>
+          </a:fillRef>
+          <a:effectRef idx="0">
+            <a:schemeClr val="accent1"/>
+          </a:effectRef>
+          <a:fontRef idx="minor">
+            <a:schemeClr val="lt1"/>
+          </a:fontRef>
+        </p:style>
+        <p:txBody>
+          <a:bodyPr rtlCol="0" anchor="ctr"/>
+          <a:lstStyle/>
+          <a:p>
+            <a:pPr algn="ctr"/>
+            <a:endParaRPr lang="en-US"/>
+          </a:p>
+        </p:txBody>
+      </p:sp>
+      <p:sp>
+        <p:nvSpPr>
+          <p:cNvPr id="12" name="Rectangle 11">
+            <a:extLst>
+              <a:ext uri="{FF2B5EF4-FFF2-40B4-BE49-F238E27FC236}">
+                <a16:creationId xmlns:a16="http://schemas.microsoft.com/office/drawing/2014/main" id="{78AC10B3-781B-4311-A1B9-3CBFF5580753}"/>
+              </a:ext>
+            </a:extLst>
+          </p:cNvPr>
+          <p:cNvSpPr/>
+          <p:nvPr/>
+        </p:nvSpPr>
+        <p:spPr>
+          <a:xfrm>
+            <a:off x="6121789" y="2369191"/>
+            <a:ext cx="1916200" cy="203561"/>
+          </a:xfrm>
+          <a:prstGeom prst="rect">
+            <a:avLst/>
+          </a:prstGeom>
+          <a:noFill/>
+          <a:ln>
+            <a:solidFill>
+              <a:srgbClr val="FF0000"/>
+            </a:solidFill>
+          </a:ln>
+        </p:spPr>
+        <p:style>
+          <a:lnRef idx="2">
+            <a:schemeClr val="accent1">
+              <a:shade val="50000"/>
+            </a:schemeClr>
+          </a:lnRef>
+          <a:fillRef idx="1">
+            <a:schemeClr val="accent1"/>
+          </a:fillRef>
+          <a:effectRef idx="0">
+            <a:schemeClr val="accent1"/>
+          </a:effectRef>
+          <a:fontRef idx="minor">
+            <a:schemeClr val="lt1"/>
+          </a:fontRef>
+        </p:style>
+        <p:txBody>
+          <a:bodyPr rtlCol="0" anchor="ctr"/>
+          <a:lstStyle/>
+          <a:p>
+            <a:pPr algn="ctr"/>
+            <a:endParaRPr lang="en-US"/>
+          </a:p>
+        </p:txBody>
+      </p:sp>
+      <p:grpSp>
+        <p:nvGrpSpPr>
+          <p:cNvPr id="13" name="Group 12">
+            <a:extLst>
+              <a:ext uri="{FF2B5EF4-FFF2-40B4-BE49-F238E27FC236}">
+                <a16:creationId xmlns:a16="http://schemas.microsoft.com/office/drawing/2014/main" id="{5CD8C7E2-2D35-4FF9-BEAC-BAD613CAB199}"/>
+              </a:ext>
+            </a:extLst>
+          </p:cNvPr>
+          <p:cNvGrpSpPr/>
+          <p:nvPr/>
+        </p:nvGrpSpPr>
+        <p:grpSpPr>
+          <a:xfrm>
+            <a:off x="1405009" y="2066686"/>
+            <a:ext cx="595525" cy="394784"/>
+            <a:chOff x="1405009" y="2066686"/>
+            <a:chExt cx="595525" cy="394784"/>
+          </a:xfrm>
+        </p:grpSpPr>
+        <p:pic>
+          <p:nvPicPr>
+            <p:cNvPr id="14" name="Graphic 13" descr="Cursor with solid fill">
+              <a:extLst>
+                <a:ext uri="{FF2B5EF4-FFF2-40B4-BE49-F238E27FC236}">
+                  <a16:creationId xmlns:a16="http://schemas.microsoft.com/office/drawing/2014/main" id="{358008D6-F184-4EAC-91C8-046CE05F8F86}"/>
+                </a:ext>
+              </a:extLst>
+            </p:cNvPr>
+            <p:cNvPicPr>
+              <a:picLocks noChangeAspect="1"/>
+            </p:cNvPicPr>
+            <p:nvPr/>
+          </p:nvPicPr>
+          <p:blipFill>
+            <a:blip r:embed="rId6">
+              <a:extLst>
+                <a:ext uri="{28A0092B-C50C-407E-A947-70E740481C1C}">
+                  <a14:useLocalDpi xmlns:a14="http://schemas.microsoft.com/office/drawing/2010/main" val="0"/>
+                </a:ext>
+                <a:ext uri="{96DAC541-7B7A-43D3-8B79-37D633B846F1}">
+                  <asvg:svgBlip xmlns:asvg="http://schemas.microsoft.com/office/drawing/2016/SVG/main" r:embed="rId7"/>
+                </a:ext>
+              </a:extLst>
+            </a:blip>
+            <a:stretch>
+              <a:fillRect/>
+            </a:stretch>
+          </p:blipFill>
+          <p:spPr>
+            <a:xfrm>
+              <a:off x="1405009" y="2088121"/>
+              <a:ext cx="373349" cy="373349"/>
+            </a:xfrm>
+            <a:prstGeom prst="rect">
+              <a:avLst/>
+            </a:prstGeom>
+          </p:spPr>
+        </p:pic>
+        <p:sp>
+          <p:nvSpPr>
+            <p:cNvPr id="15" name="TextBox 14">
+              <a:extLst>
+                <a:ext uri="{FF2B5EF4-FFF2-40B4-BE49-F238E27FC236}">
+                  <a16:creationId xmlns:a16="http://schemas.microsoft.com/office/drawing/2014/main" id="{82C98247-BF3B-467A-BEE7-12DFC55BA049}"/>
+                </a:ext>
+              </a:extLst>
+            </p:cNvPr>
+            <p:cNvSpPr txBox="1"/>
+            <p:nvPr/>
+          </p:nvSpPr>
+          <p:spPr>
+            <a:xfrm rot="1537184">
+              <a:off x="1556182" y="2066686"/>
+              <a:ext cx="444352" cy="230832"/>
+            </a:xfrm>
+            <a:prstGeom prst="rect">
+              <a:avLst/>
+            </a:prstGeom>
+            <a:noFill/>
+          </p:spPr>
+          <p:txBody>
+            <a:bodyPr wrap="none" rtlCol="0">
+              <a:spAutoFit/>
+            </a:bodyPr>
+            <a:lstStyle/>
+            <a:p>
+              <a:r>
+                <a:rPr lang="en-US" sz="900" b="1" dirty="0"/>
+                <a:t>Click!</a:t>
+              </a:r>
+            </a:p>
+          </p:txBody>
+        </p:sp>
+      </p:grpSp>
+      <p:grpSp>
+        <p:nvGrpSpPr>
+          <p:cNvPr id="16" name="Group 15">
+            <a:extLst>
+              <a:ext uri="{FF2B5EF4-FFF2-40B4-BE49-F238E27FC236}">
+                <a16:creationId xmlns:a16="http://schemas.microsoft.com/office/drawing/2014/main" id="{129B65CC-E2FB-4CBC-9061-FD2037C33DE0}"/>
+              </a:ext>
+            </a:extLst>
+          </p:cNvPr>
+          <p:cNvGrpSpPr/>
+          <p:nvPr/>
+        </p:nvGrpSpPr>
+        <p:grpSpPr>
+          <a:xfrm>
+            <a:off x="1666700" y="3686651"/>
+            <a:ext cx="595525" cy="394784"/>
+            <a:chOff x="1405009" y="2066686"/>
+            <a:chExt cx="595525" cy="394784"/>
+          </a:xfrm>
+        </p:grpSpPr>
+        <p:pic>
+          <p:nvPicPr>
+            <p:cNvPr id="17" name="Graphic 16" descr="Cursor with solid fill">
+              <a:extLst>
+                <a:ext uri="{FF2B5EF4-FFF2-40B4-BE49-F238E27FC236}">
+                  <a16:creationId xmlns:a16="http://schemas.microsoft.com/office/drawing/2014/main" id="{9AB92B05-839C-4568-AF29-4720125256BE}"/>
+                </a:ext>
+              </a:extLst>
+            </p:cNvPr>
+            <p:cNvPicPr>
+              <a:picLocks noChangeAspect="1"/>
+            </p:cNvPicPr>
+            <p:nvPr/>
+          </p:nvPicPr>
+          <p:blipFill>
+            <a:blip r:embed="rId6">
+              <a:extLst>
+                <a:ext uri="{28A0092B-C50C-407E-A947-70E740481C1C}">
+                  <a14:useLocalDpi xmlns:a14="http://schemas.microsoft.com/office/drawing/2010/main" val="0"/>
+                </a:ext>
+                <a:ext uri="{96DAC541-7B7A-43D3-8B79-37D633B846F1}">
+                  <asvg:svgBlip xmlns:asvg="http://schemas.microsoft.com/office/drawing/2016/SVG/main" r:embed="rId7"/>
+                </a:ext>
+              </a:extLst>
+            </a:blip>
+            <a:stretch>
+              <a:fillRect/>
+            </a:stretch>
+          </p:blipFill>
+          <p:spPr>
+            <a:xfrm>
+              <a:off x="1405009" y="2088121"/>
+              <a:ext cx="373349" cy="373349"/>
+            </a:xfrm>
+            <a:prstGeom prst="rect">
+              <a:avLst/>
+            </a:prstGeom>
+          </p:spPr>
+        </p:pic>
+        <p:sp>
+          <p:nvSpPr>
+            <p:cNvPr id="18" name="TextBox 17">
+              <a:extLst>
+                <a:ext uri="{FF2B5EF4-FFF2-40B4-BE49-F238E27FC236}">
+                  <a16:creationId xmlns:a16="http://schemas.microsoft.com/office/drawing/2014/main" id="{A6058E08-37E7-4819-A391-CE8F75813747}"/>
+                </a:ext>
+              </a:extLst>
+            </p:cNvPr>
+            <p:cNvSpPr txBox="1"/>
+            <p:nvPr/>
+          </p:nvSpPr>
+          <p:spPr>
+            <a:xfrm rot="1537184">
+              <a:off x="1556182" y="2066686"/>
+              <a:ext cx="444352" cy="230832"/>
+            </a:xfrm>
+            <a:prstGeom prst="rect">
+              <a:avLst/>
+            </a:prstGeom>
+            <a:noFill/>
+          </p:spPr>
+          <p:txBody>
+            <a:bodyPr wrap="none" rtlCol="0">
+              <a:spAutoFit/>
+            </a:bodyPr>
+            <a:lstStyle/>
+            <a:p>
+              <a:r>
+                <a:rPr lang="en-US" sz="900" b="1" dirty="0"/>
+                <a:t>Click!</a:t>
+              </a:r>
+            </a:p>
+          </p:txBody>
+        </p:sp>
+      </p:grpSp>
+      <p:grpSp>
+        <p:nvGrpSpPr>
+          <p:cNvPr id="19" name="Group 18">
+            <a:extLst>
+              <a:ext uri="{FF2B5EF4-FFF2-40B4-BE49-F238E27FC236}">
+                <a16:creationId xmlns:a16="http://schemas.microsoft.com/office/drawing/2014/main" id="{7A209890-A047-4E41-B357-E2F20CE96A69}"/>
+              </a:ext>
+            </a:extLst>
+          </p:cNvPr>
+          <p:cNvGrpSpPr/>
+          <p:nvPr/>
+        </p:nvGrpSpPr>
+        <p:grpSpPr>
+          <a:xfrm>
+            <a:off x="7347323" y="2364167"/>
+            <a:ext cx="595525" cy="394784"/>
+            <a:chOff x="1405009" y="2066686"/>
+            <a:chExt cx="595525" cy="394784"/>
+          </a:xfrm>
+        </p:grpSpPr>
+        <p:pic>
+          <p:nvPicPr>
+            <p:cNvPr id="20" name="Graphic 19" descr="Cursor with solid fill">
+              <a:extLst>
+                <a:ext uri="{FF2B5EF4-FFF2-40B4-BE49-F238E27FC236}">
+                  <a16:creationId xmlns:a16="http://schemas.microsoft.com/office/drawing/2014/main" id="{C2783F6F-E86D-40C3-87DD-2DF35203B0BF}"/>
+                </a:ext>
+              </a:extLst>
+            </p:cNvPr>
+            <p:cNvPicPr>
+              <a:picLocks noChangeAspect="1"/>
+            </p:cNvPicPr>
+            <p:nvPr/>
+          </p:nvPicPr>
+          <p:blipFill>
+            <a:blip r:embed="rId6">
+              <a:extLst>
+                <a:ext uri="{28A0092B-C50C-407E-A947-70E740481C1C}">
+                  <a14:useLocalDpi xmlns:a14="http://schemas.microsoft.com/office/drawing/2010/main" val="0"/>
+                </a:ext>
+                <a:ext uri="{96DAC541-7B7A-43D3-8B79-37D633B846F1}">
+                  <asvg:svgBlip xmlns:asvg="http://schemas.microsoft.com/office/drawing/2016/SVG/main" r:embed="rId7"/>
+                </a:ext>
+              </a:extLst>
+            </a:blip>
+            <a:stretch>
+              <a:fillRect/>
+            </a:stretch>
+          </p:blipFill>
+          <p:spPr>
+            <a:xfrm>
+              <a:off x="1405009" y="2088121"/>
+              <a:ext cx="373349" cy="373349"/>
+            </a:xfrm>
+            <a:prstGeom prst="rect">
+              <a:avLst/>
+            </a:prstGeom>
+          </p:spPr>
+        </p:pic>
+        <p:sp>
+          <p:nvSpPr>
+            <p:cNvPr id="21" name="TextBox 20">
+              <a:extLst>
+                <a:ext uri="{FF2B5EF4-FFF2-40B4-BE49-F238E27FC236}">
+                  <a16:creationId xmlns:a16="http://schemas.microsoft.com/office/drawing/2014/main" id="{D40DFFD8-CC50-434C-AD3E-7A0A3350E041}"/>
+                </a:ext>
+              </a:extLst>
+            </p:cNvPr>
+            <p:cNvSpPr txBox="1"/>
+            <p:nvPr/>
+          </p:nvSpPr>
+          <p:spPr>
+            <a:xfrm rot="1537184">
+              <a:off x="1556182" y="2066686"/>
+              <a:ext cx="444352" cy="230832"/>
+            </a:xfrm>
+            <a:prstGeom prst="rect">
+              <a:avLst/>
+            </a:prstGeom>
+            <a:noFill/>
+          </p:spPr>
+          <p:txBody>
+            <a:bodyPr wrap="none" rtlCol="0">
+              <a:spAutoFit/>
+            </a:bodyPr>
+            <a:lstStyle/>
+            <a:p>
+              <a:r>
+                <a:rPr lang="en-US" sz="900" b="1" dirty="0"/>
+                <a:t>Click!</a:t>
+              </a:r>
+            </a:p>
+          </p:txBody>
+        </p:sp>
+      </p:grpSp>
+      <p:sp>
+        <p:nvSpPr>
+          <p:cNvPr id="22" name="TextBox 21">
+            <a:extLst>
+              <a:ext uri="{FF2B5EF4-FFF2-40B4-BE49-F238E27FC236}">
+                <a16:creationId xmlns:a16="http://schemas.microsoft.com/office/drawing/2014/main" id="{0E7CC2DE-E10C-4D4F-9CC7-C9B4C5251ABA}"/>
+              </a:ext>
+            </a:extLst>
+          </p:cNvPr>
+          <p:cNvSpPr txBox="1"/>
+          <p:nvPr/>
+        </p:nvSpPr>
+        <p:spPr>
+          <a:xfrm>
+            <a:off x="5618919" y="4450384"/>
+            <a:ext cx="2957861" cy="369332"/>
+          </a:xfrm>
+          <a:prstGeom prst="rect">
+            <a:avLst/>
+          </a:prstGeom>
+          <a:noFill/>
+        </p:spPr>
+        <p:txBody>
+          <a:bodyPr wrap="none" rtlCol="0">
+            <a:spAutoFit/>
+          </a:bodyPr>
+          <a:lstStyle/>
+          <a:p>
+            <a:r>
+              <a:rPr lang="ko-KR" altLang="en-US" dirty="0"/>
+              <a:t>클릭한 순서에 맞춰서 저장</a:t>
+            </a:r>
+            <a:r>
+              <a:rPr lang="en-US" altLang="ko-KR" dirty="0"/>
+              <a:t>!</a:t>
+            </a:r>
+            <a:endParaRPr lang="en-US" dirty="0"/>
+          </a:p>
+        </p:txBody>
+      </p:sp>
+    </p:spTree>
+    <p:extLst>
+      <p:ext uri="{BB962C8B-B14F-4D97-AF65-F5344CB8AC3E}">
+        <p14:creationId xmlns:p14="http://schemas.microsoft.com/office/powerpoint/2010/main" val="2782106860"/>
+      </p:ext>
+    </p:extLst>
+  </p:cSld>
+  <p:clrMapOvr>
+    <a:masterClrMapping/>
+  </p:clrMapOvr>
+</p:sld>
+</file>
+
 <file path=ppt/theme/theme1.xml><?xml version="1.0" encoding="utf-8"?>
 <a:theme xmlns:a="http://schemas.openxmlformats.org/drawingml/2006/main" name="Office Theme">
   <a:themeElements>

--- a/dev-only/images.pptx
+++ b/dev-only/images.pptx
@@ -8,6 +8,7 @@
     <p:sldId id="256" r:id="rId2"/>
     <p:sldId id="257" r:id="rId3"/>
     <p:sldId id="258" r:id="rId4"/>
+    <p:sldId id="259" r:id="rId5"/>
   </p:sldIdLst>
   <p:sldSz cx="12192000" cy="6858000"/>
   <p:notesSz cx="6858000" cy="9144000"/>
@@ -261,7 +262,7 @@
           <a:p>
             <a:fld id="{492CC70E-2C75-4B61-895B-57B864DBB07C}" type="datetimeFigureOut">
               <a:rPr lang="en-US" smtClean="0"/>
-              <a:t>1/21/2021</a:t>
+              <a:t>1/23/2021</a:t>
             </a:fld>
             <a:endParaRPr lang="en-US"/>
           </a:p>
@@ -459,7 +460,7 @@
           <a:p>
             <a:fld id="{492CC70E-2C75-4B61-895B-57B864DBB07C}" type="datetimeFigureOut">
               <a:rPr lang="en-US" smtClean="0"/>
-              <a:t>1/21/2021</a:t>
+              <a:t>1/23/2021</a:t>
             </a:fld>
             <a:endParaRPr lang="en-US"/>
           </a:p>
@@ -667,7 +668,7 @@
           <a:p>
             <a:fld id="{492CC70E-2C75-4B61-895B-57B864DBB07C}" type="datetimeFigureOut">
               <a:rPr lang="en-US" smtClean="0"/>
-              <a:t>1/21/2021</a:t>
+              <a:t>1/23/2021</a:t>
             </a:fld>
             <a:endParaRPr lang="en-US"/>
           </a:p>
@@ -865,7 +866,7 @@
           <a:p>
             <a:fld id="{492CC70E-2C75-4B61-895B-57B864DBB07C}" type="datetimeFigureOut">
               <a:rPr lang="en-US" smtClean="0"/>
-              <a:t>1/21/2021</a:t>
+              <a:t>1/23/2021</a:t>
             </a:fld>
             <a:endParaRPr lang="en-US"/>
           </a:p>
@@ -1140,7 +1141,7 @@
           <a:p>
             <a:fld id="{492CC70E-2C75-4B61-895B-57B864DBB07C}" type="datetimeFigureOut">
               <a:rPr lang="en-US" smtClean="0"/>
-              <a:t>1/21/2021</a:t>
+              <a:t>1/23/2021</a:t>
             </a:fld>
             <a:endParaRPr lang="en-US"/>
           </a:p>
@@ -1405,7 +1406,7 @@
           <a:p>
             <a:fld id="{492CC70E-2C75-4B61-895B-57B864DBB07C}" type="datetimeFigureOut">
               <a:rPr lang="en-US" smtClean="0"/>
-              <a:t>1/21/2021</a:t>
+              <a:t>1/23/2021</a:t>
             </a:fld>
             <a:endParaRPr lang="en-US"/>
           </a:p>
@@ -1817,7 +1818,7 @@
           <a:p>
             <a:fld id="{492CC70E-2C75-4B61-895B-57B864DBB07C}" type="datetimeFigureOut">
               <a:rPr lang="en-US" smtClean="0"/>
-              <a:t>1/21/2021</a:t>
+              <a:t>1/23/2021</a:t>
             </a:fld>
             <a:endParaRPr lang="en-US"/>
           </a:p>
@@ -1958,7 +1959,7 @@
           <a:p>
             <a:fld id="{492CC70E-2C75-4B61-895B-57B864DBB07C}" type="datetimeFigureOut">
               <a:rPr lang="en-US" smtClean="0"/>
-              <a:t>1/21/2021</a:t>
+              <a:t>1/23/2021</a:t>
             </a:fld>
             <a:endParaRPr lang="en-US"/>
           </a:p>
@@ -2071,7 +2072,7 @@
           <a:p>
             <a:fld id="{492CC70E-2C75-4B61-895B-57B864DBB07C}" type="datetimeFigureOut">
               <a:rPr lang="en-US" smtClean="0"/>
-              <a:t>1/21/2021</a:t>
+              <a:t>1/23/2021</a:t>
             </a:fld>
             <a:endParaRPr lang="en-US"/>
           </a:p>
@@ -2382,7 +2383,7 @@
           <a:p>
             <a:fld id="{492CC70E-2C75-4B61-895B-57B864DBB07C}" type="datetimeFigureOut">
               <a:rPr lang="en-US" smtClean="0"/>
-              <a:t>1/21/2021</a:t>
+              <a:t>1/23/2021</a:t>
             </a:fld>
             <a:endParaRPr lang="en-US"/>
           </a:p>
@@ -2670,7 +2671,7 @@
           <a:p>
             <a:fld id="{492CC70E-2C75-4B61-895B-57B864DBB07C}" type="datetimeFigureOut">
               <a:rPr lang="en-US" smtClean="0"/>
-              <a:t>1/21/2021</a:t>
+              <a:t>1/23/2021</a:t>
             </a:fld>
             <a:endParaRPr lang="en-US"/>
           </a:p>
@@ -2911,7 +2912,7 @@
           <a:p>
             <a:fld id="{492CC70E-2C75-4B61-895B-57B864DBB07C}" type="datetimeFigureOut">
               <a:rPr lang="en-US" smtClean="0"/>
-              <a:t>1/21/2021</a:t>
+              <a:t>1/23/2021</a:t>
             </a:fld>
             <a:endParaRPr lang="en-US"/>
           </a:p>
@@ -5941,6 +5942,614 @@
 </p:sld>
 </file>
 
+<file path=ppt/slides/slide4.xml><?xml version="1.0" encoding="utf-8"?>
+<p:sld xmlns:a="http://schemas.openxmlformats.org/drawingml/2006/main" xmlns:r="http://schemas.openxmlformats.org/officeDocument/2006/relationships" xmlns:p="http://schemas.openxmlformats.org/presentationml/2006/main">
+  <p:cSld>
+    <p:spTree>
+      <p:nvGrpSpPr>
+        <p:cNvPr id="1" name=""/>
+        <p:cNvGrpSpPr/>
+        <p:nvPr/>
+      </p:nvGrpSpPr>
+      <p:grpSpPr>
+        <a:xfrm>
+          <a:off x="0" y="0"/>
+          <a:ext cx="0" cy="0"/>
+          <a:chOff x="0" y="0"/>
+          <a:chExt cx="0" cy="0"/>
+        </a:xfrm>
+      </p:grpSpPr>
+      <p:pic>
+        <p:nvPicPr>
+          <p:cNvPr id="5" name="Picture 4" descr="Graphical user interface&#10;&#10;Description automatically generated with medium confidence">
+            <a:extLst>
+              <a:ext uri="{FF2B5EF4-FFF2-40B4-BE49-F238E27FC236}">
+                <a16:creationId xmlns:a16="http://schemas.microsoft.com/office/drawing/2014/main" id="{B3F66BF8-137B-464C-8B7E-3348CC9423B3}"/>
+              </a:ext>
+            </a:extLst>
+          </p:cNvPr>
+          <p:cNvPicPr>
+            <a:picLocks noChangeAspect="1"/>
+          </p:cNvPicPr>
+          <p:nvPr/>
+        </p:nvPicPr>
+        <p:blipFill>
+          <a:blip r:embed="rId2">
+            <a:extLst>
+              <a:ext uri="{28A0092B-C50C-407E-A947-70E740481C1C}">
+                <a14:useLocalDpi xmlns:a14="http://schemas.microsoft.com/office/drawing/2010/main" val="0"/>
+              </a:ext>
+            </a:extLst>
+          </a:blip>
+          <a:stretch>
+            <a:fillRect/>
+          </a:stretch>
+        </p:blipFill>
+        <p:spPr>
+          <a:xfrm>
+            <a:off x="3851590" y="244246"/>
+            <a:ext cx="3010320" cy="581106"/>
+          </a:xfrm>
+          <a:prstGeom prst="rect">
+            <a:avLst/>
+          </a:prstGeom>
+        </p:spPr>
+      </p:pic>
+      <p:sp>
+        <p:nvSpPr>
+          <p:cNvPr id="6" name="Rectangle 5">
+            <a:extLst>
+              <a:ext uri="{FF2B5EF4-FFF2-40B4-BE49-F238E27FC236}">
+                <a16:creationId xmlns:a16="http://schemas.microsoft.com/office/drawing/2014/main" id="{8884A53A-4A45-4606-A220-FC2F785A9D7E}"/>
+              </a:ext>
+            </a:extLst>
+          </p:cNvPr>
+          <p:cNvSpPr/>
+          <p:nvPr/>
+        </p:nvSpPr>
+        <p:spPr>
+          <a:xfrm>
+            <a:off x="4495480" y="411061"/>
+            <a:ext cx="1132514" cy="201336"/>
+          </a:xfrm>
+          <a:prstGeom prst="rect">
+            <a:avLst/>
+          </a:prstGeom>
+          <a:gradFill flip="none" rotWithShape="1">
+            <a:gsLst>
+              <a:gs pos="0">
+                <a:schemeClr val="accent1">
+                  <a:tint val="66000"/>
+                  <a:satMod val="160000"/>
+                </a:schemeClr>
+              </a:gs>
+              <a:gs pos="50000">
+                <a:schemeClr val="accent1">
+                  <a:tint val="44500"/>
+                  <a:satMod val="160000"/>
+                </a:schemeClr>
+              </a:gs>
+              <a:gs pos="100000">
+                <a:schemeClr val="accent1">
+                  <a:tint val="23500"/>
+                  <a:satMod val="160000"/>
+                </a:schemeClr>
+              </a:gs>
+            </a:gsLst>
+            <a:path path="circle">
+              <a:fillToRect l="50000" t="50000" r="50000" b="50000"/>
+            </a:path>
+            <a:tileRect/>
+          </a:gradFill>
+          <a:ln>
+            <a:noFill/>
+          </a:ln>
+        </p:spPr>
+        <p:style>
+          <a:lnRef idx="2">
+            <a:schemeClr val="accent1">
+              <a:shade val="50000"/>
+            </a:schemeClr>
+          </a:lnRef>
+          <a:fillRef idx="1">
+            <a:schemeClr val="accent1"/>
+          </a:fillRef>
+          <a:effectRef idx="0">
+            <a:schemeClr val="accent1"/>
+          </a:effectRef>
+          <a:fontRef idx="minor">
+            <a:schemeClr val="lt1"/>
+          </a:fontRef>
+        </p:style>
+        <p:txBody>
+          <a:bodyPr rtlCol="0" anchor="ctr"/>
+          <a:lstStyle/>
+          <a:p>
+            <a:pPr algn="ctr"/>
+            <a:endParaRPr lang="en-US"/>
+          </a:p>
+        </p:txBody>
+      </p:sp>
+      <p:sp>
+        <p:nvSpPr>
+          <p:cNvPr id="7" name="Rectangle 6">
+            <a:extLst>
+              <a:ext uri="{FF2B5EF4-FFF2-40B4-BE49-F238E27FC236}">
+                <a16:creationId xmlns:a16="http://schemas.microsoft.com/office/drawing/2014/main" id="{3623D280-E34A-4B65-B140-499EE14F16B4}"/>
+              </a:ext>
+            </a:extLst>
+          </p:cNvPr>
+          <p:cNvSpPr/>
+          <p:nvPr/>
+        </p:nvSpPr>
+        <p:spPr>
+          <a:xfrm>
+            <a:off x="6271884" y="369116"/>
+            <a:ext cx="337622" cy="285226"/>
+          </a:xfrm>
+          <a:prstGeom prst="rect">
+            <a:avLst/>
+          </a:prstGeom>
+          <a:gradFill flip="none" rotWithShape="1">
+            <a:gsLst>
+              <a:gs pos="0">
+                <a:schemeClr val="accent1">
+                  <a:tint val="66000"/>
+                  <a:satMod val="160000"/>
+                </a:schemeClr>
+              </a:gs>
+              <a:gs pos="50000">
+                <a:schemeClr val="accent1">
+                  <a:tint val="44500"/>
+                  <a:satMod val="160000"/>
+                </a:schemeClr>
+              </a:gs>
+              <a:gs pos="100000">
+                <a:schemeClr val="accent1">
+                  <a:tint val="23500"/>
+                  <a:satMod val="160000"/>
+                </a:schemeClr>
+              </a:gs>
+            </a:gsLst>
+            <a:path path="circle">
+              <a:fillToRect l="50000" t="50000" r="50000" b="50000"/>
+            </a:path>
+            <a:tileRect/>
+          </a:gradFill>
+          <a:ln>
+            <a:noFill/>
+          </a:ln>
+        </p:spPr>
+        <p:style>
+          <a:lnRef idx="2">
+            <a:schemeClr val="accent1">
+              <a:shade val="50000"/>
+            </a:schemeClr>
+          </a:lnRef>
+          <a:fillRef idx="1">
+            <a:schemeClr val="accent1"/>
+          </a:fillRef>
+          <a:effectRef idx="0">
+            <a:schemeClr val="accent1"/>
+          </a:effectRef>
+          <a:fontRef idx="minor">
+            <a:schemeClr val="lt1"/>
+          </a:fontRef>
+        </p:style>
+        <p:txBody>
+          <a:bodyPr rtlCol="0" anchor="ctr"/>
+          <a:lstStyle/>
+          <a:p>
+            <a:pPr algn="ctr"/>
+            <a:endParaRPr lang="en-US"/>
+          </a:p>
+        </p:txBody>
+      </p:sp>
+      <p:grpSp>
+        <p:nvGrpSpPr>
+          <p:cNvPr id="8" name="Group 7">
+            <a:extLst>
+              <a:ext uri="{FF2B5EF4-FFF2-40B4-BE49-F238E27FC236}">
+                <a16:creationId xmlns:a16="http://schemas.microsoft.com/office/drawing/2014/main" id="{57719616-8E74-4AB8-B577-9CEA87A56ED4}"/>
+              </a:ext>
+            </a:extLst>
+          </p:cNvPr>
+          <p:cNvGrpSpPr/>
+          <p:nvPr/>
+        </p:nvGrpSpPr>
+        <p:grpSpPr>
+          <a:xfrm>
+            <a:off x="5766266" y="456000"/>
+            <a:ext cx="595525" cy="394784"/>
+            <a:chOff x="1405009" y="2066686"/>
+            <a:chExt cx="595525" cy="394784"/>
+          </a:xfrm>
+        </p:grpSpPr>
+        <p:pic>
+          <p:nvPicPr>
+            <p:cNvPr id="9" name="Graphic 8" descr="Cursor with solid fill">
+              <a:extLst>
+                <a:ext uri="{FF2B5EF4-FFF2-40B4-BE49-F238E27FC236}">
+                  <a16:creationId xmlns:a16="http://schemas.microsoft.com/office/drawing/2014/main" id="{C5ED14FF-35FD-4991-8DFD-4A65882379A9}"/>
+                </a:ext>
+              </a:extLst>
+            </p:cNvPr>
+            <p:cNvPicPr>
+              <a:picLocks noChangeAspect="1"/>
+            </p:cNvPicPr>
+            <p:nvPr/>
+          </p:nvPicPr>
+          <p:blipFill>
+            <a:blip r:embed="rId3">
+              <a:extLst>
+                <a:ext uri="{28A0092B-C50C-407E-A947-70E740481C1C}">
+                  <a14:useLocalDpi xmlns:a14="http://schemas.microsoft.com/office/drawing/2010/main" val="0"/>
+                </a:ext>
+                <a:ext uri="{96DAC541-7B7A-43D3-8B79-37D633B846F1}">
+                  <asvg:svgBlip xmlns:asvg="http://schemas.microsoft.com/office/drawing/2016/SVG/main" r:embed="rId4"/>
+                </a:ext>
+              </a:extLst>
+            </a:blip>
+            <a:stretch>
+              <a:fillRect/>
+            </a:stretch>
+          </p:blipFill>
+          <p:spPr>
+            <a:xfrm>
+              <a:off x="1405009" y="2088121"/>
+              <a:ext cx="373349" cy="373349"/>
+            </a:xfrm>
+            <a:prstGeom prst="rect">
+              <a:avLst/>
+            </a:prstGeom>
+          </p:spPr>
+        </p:pic>
+        <p:sp>
+          <p:nvSpPr>
+            <p:cNvPr id="10" name="TextBox 9">
+              <a:extLst>
+                <a:ext uri="{FF2B5EF4-FFF2-40B4-BE49-F238E27FC236}">
+                  <a16:creationId xmlns:a16="http://schemas.microsoft.com/office/drawing/2014/main" id="{45887688-5452-4936-9ADE-92B14BDD2358}"/>
+                </a:ext>
+              </a:extLst>
+            </p:cNvPr>
+            <p:cNvSpPr txBox="1"/>
+            <p:nvPr/>
+          </p:nvSpPr>
+          <p:spPr>
+            <a:xfrm rot="1537184">
+              <a:off x="1556182" y="2066686"/>
+              <a:ext cx="444352" cy="230832"/>
+            </a:xfrm>
+            <a:prstGeom prst="rect">
+              <a:avLst/>
+            </a:prstGeom>
+            <a:noFill/>
+          </p:spPr>
+          <p:txBody>
+            <a:bodyPr wrap="none" rtlCol="0">
+              <a:spAutoFit/>
+            </a:bodyPr>
+            <a:lstStyle/>
+            <a:p>
+              <a:r>
+                <a:rPr lang="en-US" sz="900" b="1" dirty="0"/>
+                <a:t>Click!</a:t>
+              </a:r>
+            </a:p>
+          </p:txBody>
+        </p:sp>
+      </p:grpSp>
+      <p:pic>
+        <p:nvPicPr>
+          <p:cNvPr id="16" name="Picture 15" descr="Graphical user interface&#10;&#10;Description automatically generated">
+            <a:extLst>
+              <a:ext uri="{FF2B5EF4-FFF2-40B4-BE49-F238E27FC236}">
+                <a16:creationId xmlns:a16="http://schemas.microsoft.com/office/drawing/2014/main" id="{1C5641E9-EECE-4830-82A0-73B5D2D48666}"/>
+              </a:ext>
+            </a:extLst>
+          </p:cNvPr>
+          <p:cNvPicPr>
+            <a:picLocks noChangeAspect="1"/>
+          </p:cNvPicPr>
+          <p:nvPr/>
+        </p:nvPicPr>
+        <p:blipFill>
+          <a:blip r:embed="rId5">
+            <a:extLst>
+              <a:ext uri="{28A0092B-C50C-407E-A947-70E740481C1C}">
+                <a14:useLocalDpi xmlns:a14="http://schemas.microsoft.com/office/drawing/2010/main" val="0"/>
+              </a:ext>
+            </a:extLst>
+          </a:blip>
+          <a:stretch>
+            <a:fillRect/>
+          </a:stretch>
+        </p:blipFill>
+        <p:spPr>
+          <a:xfrm>
+            <a:off x="1465436" y="956940"/>
+            <a:ext cx="7782629" cy="5186212"/>
+          </a:xfrm>
+          <a:prstGeom prst="rect">
+            <a:avLst/>
+          </a:prstGeom>
+        </p:spPr>
+      </p:pic>
+      <p:pic>
+        <p:nvPicPr>
+          <p:cNvPr id="18" name="Picture 17">
+            <a:extLst>
+              <a:ext uri="{FF2B5EF4-FFF2-40B4-BE49-F238E27FC236}">
+                <a16:creationId xmlns:a16="http://schemas.microsoft.com/office/drawing/2014/main" id="{6D06B486-33FC-4E48-AC20-3BE4060C37B5}"/>
+              </a:ext>
+            </a:extLst>
+          </p:cNvPr>
+          <p:cNvPicPr>
+            <a:picLocks noChangeAspect="1"/>
+          </p:cNvPicPr>
+          <p:nvPr/>
+        </p:nvPicPr>
+        <p:blipFill>
+          <a:blip r:embed="rId6">
+            <a:extLst>
+              <a:ext uri="{28A0092B-C50C-407E-A947-70E740481C1C}">
+                <a14:useLocalDpi xmlns:a14="http://schemas.microsoft.com/office/drawing/2010/main" val="0"/>
+              </a:ext>
+            </a:extLst>
+          </a:blip>
+          <a:stretch>
+            <a:fillRect/>
+          </a:stretch>
+        </p:blipFill>
+        <p:spPr>
+          <a:xfrm>
+            <a:off x="498322" y="6143152"/>
+            <a:ext cx="9716856" cy="409632"/>
+          </a:xfrm>
+          <a:prstGeom prst="rect">
+            <a:avLst/>
+          </a:prstGeom>
+        </p:spPr>
+      </p:pic>
+      <p:grpSp>
+        <p:nvGrpSpPr>
+          <p:cNvPr id="20" name="Group 19">
+            <a:extLst>
+              <a:ext uri="{FF2B5EF4-FFF2-40B4-BE49-F238E27FC236}">
+                <a16:creationId xmlns:a16="http://schemas.microsoft.com/office/drawing/2014/main" id="{6DA597EF-E093-414F-B305-03F1255D17EA}"/>
+              </a:ext>
+            </a:extLst>
+          </p:cNvPr>
+          <p:cNvGrpSpPr/>
+          <p:nvPr/>
+        </p:nvGrpSpPr>
+        <p:grpSpPr>
+          <a:xfrm>
+            <a:off x="2469392" y="3597425"/>
+            <a:ext cx="595525" cy="541843"/>
+            <a:chOff x="1405009" y="1919627"/>
+            <a:chExt cx="595525" cy="541843"/>
+          </a:xfrm>
+        </p:grpSpPr>
+        <p:pic>
+          <p:nvPicPr>
+            <p:cNvPr id="21" name="Graphic 20" descr="Cursor with solid fill">
+              <a:extLst>
+                <a:ext uri="{FF2B5EF4-FFF2-40B4-BE49-F238E27FC236}">
+                  <a16:creationId xmlns:a16="http://schemas.microsoft.com/office/drawing/2014/main" id="{722D8B20-345D-47DD-B8D4-A7DA9E86CC52}"/>
+                </a:ext>
+              </a:extLst>
+            </p:cNvPr>
+            <p:cNvPicPr>
+              <a:picLocks noChangeAspect="1"/>
+            </p:cNvPicPr>
+            <p:nvPr/>
+          </p:nvPicPr>
+          <p:blipFill>
+            <a:blip r:embed="rId3">
+              <a:extLst>
+                <a:ext uri="{28A0092B-C50C-407E-A947-70E740481C1C}">
+                  <a14:useLocalDpi xmlns:a14="http://schemas.microsoft.com/office/drawing/2010/main" val="0"/>
+                </a:ext>
+                <a:ext uri="{96DAC541-7B7A-43D3-8B79-37D633B846F1}">
+                  <asvg:svgBlip xmlns:asvg="http://schemas.microsoft.com/office/drawing/2016/SVG/main" r:embed="rId4"/>
+                </a:ext>
+              </a:extLst>
+            </a:blip>
+            <a:stretch>
+              <a:fillRect/>
+            </a:stretch>
+          </p:blipFill>
+          <p:spPr>
+            <a:xfrm>
+              <a:off x="1405009" y="2088121"/>
+              <a:ext cx="373349" cy="373349"/>
+            </a:xfrm>
+            <a:prstGeom prst="rect">
+              <a:avLst/>
+            </a:prstGeom>
+          </p:spPr>
+        </p:pic>
+        <p:sp>
+          <p:nvSpPr>
+            <p:cNvPr id="22" name="TextBox 21">
+              <a:extLst>
+                <a:ext uri="{FF2B5EF4-FFF2-40B4-BE49-F238E27FC236}">
+                  <a16:creationId xmlns:a16="http://schemas.microsoft.com/office/drawing/2014/main" id="{829E2C20-3588-4A6E-B20E-79AAA55ECEB7}"/>
+                </a:ext>
+              </a:extLst>
+            </p:cNvPr>
+            <p:cNvSpPr txBox="1"/>
+            <p:nvPr/>
+          </p:nvSpPr>
+          <p:spPr>
+            <a:xfrm rot="1537184">
+              <a:off x="1556182" y="2066686"/>
+              <a:ext cx="444352" cy="230832"/>
+            </a:xfrm>
+            <a:prstGeom prst="rect">
+              <a:avLst/>
+            </a:prstGeom>
+            <a:noFill/>
+          </p:spPr>
+          <p:txBody>
+            <a:bodyPr wrap="none" rtlCol="0">
+              <a:spAutoFit/>
+            </a:bodyPr>
+            <a:lstStyle/>
+            <a:p>
+              <a:r>
+                <a:rPr lang="en-US" sz="900" b="1" dirty="0"/>
+                <a:t>Click!</a:t>
+              </a:r>
+            </a:p>
+          </p:txBody>
+        </p:sp>
+        <p:sp>
+          <p:nvSpPr>
+            <p:cNvPr id="23" name="TextBox 22">
+              <a:extLst>
+                <a:ext uri="{FF2B5EF4-FFF2-40B4-BE49-F238E27FC236}">
+                  <a16:creationId xmlns:a16="http://schemas.microsoft.com/office/drawing/2014/main" id="{F5785693-21EC-4F44-8410-38F7D11DB1B3}"/>
+                </a:ext>
+              </a:extLst>
+            </p:cNvPr>
+            <p:cNvSpPr txBox="1"/>
+            <p:nvPr/>
+          </p:nvSpPr>
+          <p:spPr>
+            <a:xfrm rot="1537184">
+              <a:off x="1556182" y="1919627"/>
+              <a:ext cx="444352" cy="230832"/>
+            </a:xfrm>
+            <a:prstGeom prst="rect">
+              <a:avLst/>
+            </a:prstGeom>
+            <a:noFill/>
+          </p:spPr>
+          <p:txBody>
+            <a:bodyPr wrap="none" rtlCol="0">
+              <a:spAutoFit/>
+            </a:bodyPr>
+            <a:lstStyle/>
+            <a:p>
+              <a:r>
+                <a:rPr lang="en-US" sz="900" b="1" dirty="0"/>
+                <a:t>Click!</a:t>
+              </a:r>
+            </a:p>
+          </p:txBody>
+        </p:sp>
+      </p:grpSp>
+      <p:grpSp>
+        <p:nvGrpSpPr>
+          <p:cNvPr id="24" name="Group 23">
+            <a:extLst>
+              <a:ext uri="{FF2B5EF4-FFF2-40B4-BE49-F238E27FC236}">
+                <a16:creationId xmlns:a16="http://schemas.microsoft.com/office/drawing/2014/main" id="{3F2EAC46-F20F-4013-B191-AE09649968F8}"/>
+              </a:ext>
+            </a:extLst>
+          </p:cNvPr>
+          <p:cNvGrpSpPr/>
+          <p:nvPr/>
+        </p:nvGrpSpPr>
+        <p:grpSpPr>
+          <a:xfrm>
+            <a:off x="7687344" y="6450356"/>
+            <a:ext cx="659088" cy="373349"/>
+            <a:chOff x="1405009" y="2088121"/>
+            <a:chExt cx="659088" cy="373349"/>
+          </a:xfrm>
+        </p:grpSpPr>
+        <p:pic>
+          <p:nvPicPr>
+            <p:cNvPr id="25" name="Graphic 24" descr="Cursor with solid fill">
+              <a:extLst>
+                <a:ext uri="{FF2B5EF4-FFF2-40B4-BE49-F238E27FC236}">
+                  <a16:creationId xmlns:a16="http://schemas.microsoft.com/office/drawing/2014/main" id="{FC3CD1C9-FA3D-46E4-80D8-3AE3B0FB10A1}"/>
+                </a:ext>
+              </a:extLst>
+            </p:cNvPr>
+            <p:cNvPicPr>
+              <a:picLocks noChangeAspect="1"/>
+            </p:cNvPicPr>
+            <p:nvPr/>
+          </p:nvPicPr>
+          <p:blipFill>
+            <a:blip r:embed="rId3">
+              <a:extLst>
+                <a:ext uri="{28A0092B-C50C-407E-A947-70E740481C1C}">
+                  <a14:useLocalDpi xmlns:a14="http://schemas.microsoft.com/office/drawing/2010/main" val="0"/>
+                </a:ext>
+                <a:ext uri="{96DAC541-7B7A-43D3-8B79-37D633B846F1}">
+                  <asvg:svgBlip xmlns:asvg="http://schemas.microsoft.com/office/drawing/2016/SVG/main" r:embed="rId4"/>
+                </a:ext>
+              </a:extLst>
+            </a:blip>
+            <a:stretch>
+              <a:fillRect/>
+            </a:stretch>
+          </p:blipFill>
+          <p:spPr>
+            <a:xfrm>
+              <a:off x="1405009" y="2088121"/>
+              <a:ext cx="373349" cy="373349"/>
+            </a:xfrm>
+            <a:prstGeom prst="rect">
+              <a:avLst/>
+            </a:prstGeom>
+          </p:spPr>
+        </p:pic>
+        <p:sp>
+          <p:nvSpPr>
+            <p:cNvPr id="26" name="TextBox 25">
+              <a:extLst>
+                <a:ext uri="{FF2B5EF4-FFF2-40B4-BE49-F238E27FC236}">
+                  <a16:creationId xmlns:a16="http://schemas.microsoft.com/office/drawing/2014/main" id="{16B8CA3F-6918-45D9-BD69-946C8389650C}"/>
+                </a:ext>
+              </a:extLst>
+            </p:cNvPr>
+            <p:cNvSpPr txBox="1"/>
+            <p:nvPr/>
+          </p:nvSpPr>
+          <p:spPr>
+            <a:xfrm rot="1537184">
+              <a:off x="1619745" y="2172841"/>
+              <a:ext cx="444352" cy="230832"/>
+            </a:xfrm>
+            <a:prstGeom prst="rect">
+              <a:avLst/>
+            </a:prstGeom>
+            <a:noFill/>
+          </p:spPr>
+          <p:txBody>
+            <a:bodyPr wrap="none" rtlCol="0">
+              <a:spAutoFit/>
+            </a:bodyPr>
+            <a:lstStyle/>
+            <a:p>
+              <a:r>
+                <a:rPr lang="en-US" sz="900" b="1" dirty="0"/>
+                <a:t>Click!</a:t>
+              </a:r>
+            </a:p>
+          </p:txBody>
+        </p:sp>
+      </p:grpSp>
+    </p:spTree>
+    <p:extLst>
+      <p:ext uri="{BB962C8B-B14F-4D97-AF65-F5344CB8AC3E}">
+        <p14:creationId xmlns:p14="http://schemas.microsoft.com/office/powerpoint/2010/main" val="3499408965"/>
+      </p:ext>
+    </p:extLst>
+  </p:cSld>
+  <p:clrMapOvr>
+    <a:masterClrMapping/>
+  </p:clrMapOvr>
+</p:sld>
+</file>
+
 <file path=ppt/theme/theme1.xml><?xml version="1.0" encoding="utf-8"?>
 <a:theme xmlns:a="http://schemas.openxmlformats.org/drawingml/2006/main" name="Office Theme">
   <a:themeElements>
